--- a/PowerShell/Day11-Loops/PowerShell.pptx
+++ b/PowerShell/Day11-Loops/PowerShell.pptx
@@ -8,13 +8,14 @@
     <p:sldId id="256" r:id="rId2"/>
     <p:sldId id="278" r:id="rId3"/>
     <p:sldId id="292" r:id="rId4"/>
-    <p:sldId id="293" r:id="rId5"/>
-    <p:sldId id="294" r:id="rId6"/>
-    <p:sldId id="295" r:id="rId7"/>
-    <p:sldId id="296" r:id="rId8"/>
-    <p:sldId id="297" r:id="rId9"/>
-    <p:sldId id="291" r:id="rId10"/>
-    <p:sldId id="267" r:id="rId11"/>
+    <p:sldId id="296" r:id="rId5"/>
+    <p:sldId id="293" r:id="rId6"/>
+    <p:sldId id="294" r:id="rId7"/>
+    <p:sldId id="295" r:id="rId8"/>
+    <p:sldId id="298" r:id="rId9"/>
+    <p:sldId id="297" r:id="rId10"/>
+    <p:sldId id="291" r:id="rId11"/>
+    <p:sldId id="267" r:id="rId12"/>
   </p:sldIdLst>
   <p:sldSz cx="12192000" cy="6858000"/>
   <p:notesSz cx="6858000" cy="9144000"/>
@@ -3149,6 +3150,113 @@
         <p:spPr>
           <a:xfrm>
             <a:off x="0" y="0"/>
+            <a:ext cx="3525795" cy="6858000"/>
+          </a:xfrm>
+          <a:ln/>
+        </p:spPr>
+        <p:style>
+          <a:lnRef idx="0">
+            <a:schemeClr val="accent5"/>
+          </a:lnRef>
+          <a:fillRef idx="3">
+            <a:schemeClr val="accent5"/>
+          </a:fillRef>
+          <a:effectRef idx="3">
+            <a:schemeClr val="accent5"/>
+          </a:effectRef>
+          <a:fontRef idx="minor">
+            <a:schemeClr val="lt1"/>
+          </a:fontRef>
+        </p:style>
+        <p:txBody>
+          <a:bodyPr anchor="ctr"/>
+          <a:lstStyle/>
+          <a:p>
+            <a:pPr marL="0" indent="0" algn="ctr">
+              <a:buNone/>
+            </a:pPr>
+            <a:r>
+              <a:rPr lang="en-IN" dirty="0" smtClean="0"/>
+              <a:t>Demo</a:t>
+            </a:r>
+            <a:endParaRPr lang="en-GB" dirty="0"/>
+          </a:p>
+        </p:txBody>
+      </p:sp>
+      <p:sp>
+        <p:nvSpPr>
+          <p:cNvPr id="6" name="Content Placeholder 5"/>
+          <p:cNvSpPr>
+            <a:spLocks noGrp="1"/>
+          </p:cNvSpPr>
+          <p:nvPr>
+            <p:ph sz="quarter" idx="4"/>
+          </p:nvPr>
+        </p:nvSpPr>
+        <p:spPr>
+          <a:xfrm>
+            <a:off x="3591697" y="0"/>
+            <a:ext cx="8666205" cy="6858000"/>
+          </a:xfrm>
+        </p:spPr>
+        <p:txBody>
+          <a:bodyPr anchor="ctr"/>
+          <a:lstStyle/>
+          <a:p>
+            <a:endParaRPr lang="en-GB" sz="3200" dirty="0" smtClean="0"/>
+          </a:p>
+        </p:txBody>
+      </p:sp>
+    </p:spTree>
+    <p:extLst>
+      <p:ext uri="{BB962C8B-B14F-4D97-AF65-F5344CB8AC3E}">
+        <p14:creationId xmlns:p14="http://schemas.microsoft.com/office/powerpoint/2010/main" val="1673766853"/>
+      </p:ext>
+    </p:extLst>
+  </p:cSld>
+  <p:clrMapOvr>
+    <a:masterClrMapping/>
+  </p:clrMapOvr>
+  <p:timing>
+    <p:tnLst>
+      <p:par>
+        <p:cTn id="1" dur="indefinite" restart="never" nodeType="tmRoot"/>
+      </p:par>
+    </p:tnLst>
+  </p:timing>
+</p:sld>
+</file>
+
+<file path=ppt/slides/slide11.xml><?xml version="1.0" encoding="utf-8"?>
+<p:sld xmlns:a="http://schemas.openxmlformats.org/drawingml/2006/main" xmlns:r="http://schemas.openxmlformats.org/officeDocument/2006/relationships" xmlns:p="http://schemas.openxmlformats.org/presentationml/2006/main">
+  <p:cSld>
+    <p:spTree>
+      <p:nvGrpSpPr>
+        <p:cNvPr id="1" name=""/>
+        <p:cNvGrpSpPr/>
+        <p:nvPr/>
+      </p:nvGrpSpPr>
+      <p:grpSpPr>
+        <a:xfrm>
+          <a:off x="0" y="0"/>
+          <a:ext cx="0" cy="0"/>
+          <a:chOff x="0" y="0"/>
+          <a:chExt cx="0" cy="0"/>
+        </a:xfrm>
+      </p:grpSpPr>
+      <p:sp>
+        <p:nvSpPr>
+          <p:cNvPr id="4" name="Content Placeholder 3"/>
+          <p:cNvSpPr>
+            <a:spLocks noGrp="1"/>
+          </p:cNvSpPr>
+          <p:nvPr>
+            <p:ph sz="half" idx="2"/>
+          </p:nvPr>
+        </p:nvSpPr>
+        <p:spPr>
+          <a:xfrm>
+            <a:off x="0" y="0"/>
             <a:ext cx="12192000" cy="6858000"/>
           </a:xfrm>
           <a:noFill/>
@@ -3257,7 +3365,11 @@
           <a:p>
             <a:r>
               <a:rPr lang="en-GB" dirty="0"/>
-              <a:t>Introduction to PowerShell Loops</a:t>
+              <a:t>Introduction to </a:t>
+            </a:r>
+            <a:r>
+              <a:rPr lang="en-GB" dirty="0" smtClean="0"/>
+              <a:t>Loops</a:t>
             </a:r>
             <a:endParaRPr lang="en-GB" b="1" dirty="0"/>
           </a:p>
@@ -4310,55 +4422,55 @@
             <a:pPr lvl="1"/>
             <a:r>
               <a:rPr lang="en-US" sz="1400" dirty="0"/>
-              <a:t>Increment counter</a:t>
-            </a:r>
-          </a:p>
-          <a:p>
-            <a:pPr marL="0" indent="0">
-              <a:buNone/>
-            </a:pPr>
-            <a:endParaRPr lang="en-GB" dirty="0">
-              <a:solidFill>
-                <a:prstClr val="black"/>
-              </a:solidFill>
-              <a:latin typeface="Lucida Console" panose="020B0609040504020204" pitchFamily="49" charset="0"/>
-            </a:endParaRPr>
-          </a:p>
-          <a:p>
-            <a:pPr marL="457200" lvl="1" indent="0">
-              <a:buNone/>
-            </a:pPr>
-            <a:endParaRPr lang="en-GB" sz="1000" dirty="0" smtClean="0">
-              <a:solidFill>
-                <a:prstClr val="black"/>
-              </a:solidFill>
-              <a:latin typeface="Lucida Console" panose="020B0609040504020204" pitchFamily="49" charset="0"/>
-            </a:endParaRPr>
-          </a:p>
-          <a:p>
-            <a:pPr marL="0" indent="0">
-              <a:buNone/>
-            </a:pPr>
-            <a:endParaRPr lang="en-GB" sz="800" dirty="0">
-              <a:solidFill>
-                <a:prstClr val="black"/>
-              </a:solidFill>
-              <a:latin typeface="Lucida Console" panose="020B0609040504020204" pitchFamily="49" charset="0"/>
-            </a:endParaRPr>
-          </a:p>
-          <a:p>
-            <a:pPr eaLnBrk="0" fontAlgn="base" hangingPunct="0">
-              <a:lnSpc>
-                <a:spcPct val="100000"/>
-              </a:lnSpc>
-              <a:spcBef>
-                <a:spcPct val="0"/>
-              </a:spcBef>
-              <a:spcAft>
-                <a:spcPct val="0"/>
-              </a:spcAft>
-            </a:pPr>
-            <a:endParaRPr lang="en-US" sz="600" dirty="0" smtClean="0"/>
+              <a:t>Increment </a:t>
+            </a:r>
+            <a:r>
+              <a:rPr lang="en-US" sz="1400" dirty="0" smtClean="0"/>
+              <a:t>counter</a:t>
+            </a:r>
+          </a:p>
+          <a:p>
+            <a:pPr lvl="1"/>
+            <a:endParaRPr lang="en-US" sz="1400" dirty="0"/>
+          </a:p>
+          <a:p>
+            <a:r>
+              <a:rPr lang="en-US" sz="1800" dirty="0" smtClean="0"/>
+              <a:t>Use Cases</a:t>
+            </a:r>
+          </a:p>
+          <a:p>
+            <a:pPr lvl="1"/>
+            <a:r>
+              <a:rPr lang="en-US" sz="1400" dirty="0"/>
+              <a:t>Batch Rename Files in a </a:t>
+            </a:r>
+            <a:r>
+              <a:rPr lang="en-US" sz="1400" dirty="0" smtClean="0"/>
+              <a:t>Directory</a:t>
+            </a:r>
+          </a:p>
+          <a:p>
+            <a:pPr lvl="1"/>
+            <a:r>
+              <a:rPr lang="en-GB" sz="1400" dirty="0"/>
+              <a:t>Send Bulk </a:t>
+            </a:r>
+            <a:r>
+              <a:rPr lang="en-GB" sz="1400" dirty="0" smtClean="0"/>
+              <a:t>Emails</a:t>
+            </a:r>
+          </a:p>
+          <a:p>
+            <a:pPr lvl="1"/>
+            <a:r>
+              <a:rPr lang="en-GB" sz="1400" dirty="0"/>
+              <a:t>Ping Multiple </a:t>
+            </a:r>
+            <a:r>
+              <a:rPr lang="en-GB" sz="1400" dirty="0" smtClean="0"/>
+              <a:t>Servers/Hosts</a:t>
+            </a:r>
           </a:p>
         </p:txBody>
       </p:sp>
@@ -4461,8 +4573,12 @@
           <a:lstStyle/>
           <a:p>
             <a:r>
+              <a:rPr lang="en-GB" dirty="0" err="1"/>
+              <a:t>ForEach</a:t>
+            </a:r>
+            <a:r>
               <a:rPr lang="en-GB" dirty="0"/>
-              <a:t>While Loop</a:t>
+              <a:t> Loop</a:t>
             </a:r>
             <a:endParaRPr lang="en-GB" b="1" dirty="0"/>
           </a:p>
@@ -4503,11 +4619,11 @@
             </a:pPr>
             <a:r>
               <a:rPr lang="en-US" sz="1800" dirty="0"/>
-              <a:t>When the loop runs as long as a condition is </a:t>
+              <a:t>When iterating over a collection or </a:t>
             </a:r>
             <a:r>
               <a:rPr lang="en-US" sz="1800" dirty="0" smtClean="0"/>
-              <a:t>true</a:t>
+              <a:t>array</a:t>
             </a:r>
           </a:p>
           <a:p>
@@ -4532,33 +4648,20 @@
               <a:buNone/>
             </a:pPr>
             <a:r>
-              <a:rPr lang="en-GB" sz="1400" dirty="0" smtClean="0"/>
-              <a:t>$</a:t>
-            </a:r>
-            <a:r>
-              <a:rPr lang="en-GB" sz="1400" dirty="0" err="1"/>
-              <a:t>i</a:t>
-            </a:r>
-            <a:r>
               <a:rPr lang="en-GB" sz="1400" dirty="0"/>
-              <a:t> = 0</a:t>
-            </a:r>
-          </a:p>
-          <a:p>
-            <a:pPr marL="457200" lvl="1" indent="0">
-              <a:buNone/>
-            </a:pPr>
-            <a:r>
-              <a:rPr lang="en-GB" sz="1400" dirty="0" smtClean="0">
-                <a:solidFill>
-                  <a:srgbClr val="00008B"/>
-                </a:solidFill>
-                <a:latin typeface="Lucida Console" panose="020B0609040504020204" pitchFamily="49" charset="0"/>
-              </a:rPr>
-              <a:t>while</a:t>
-            </a:r>
-            <a:r>
-              <a:rPr lang="en-GB" sz="1400" dirty="0" smtClean="0">
+              <a:t> </a:t>
+            </a:r>
+            <a:r>
+              <a:rPr lang="en-GB" sz="1400" dirty="0">
+                <a:solidFill>
+                  <a:srgbClr val="A82D00"/>
+                </a:solidFill>
+                <a:latin typeface="Lucida Console" panose="020B0609040504020204" pitchFamily="49" charset="0"/>
+              </a:rPr>
+              <a:t>$numbers</a:t>
+            </a:r>
+            <a:r>
+              <a:rPr lang="en-GB" sz="1400" dirty="0">
                 <a:solidFill>
                   <a:prstClr val="black"/>
                 </a:solidFill>
@@ -4569,151 +4672,47 @@
             <a:r>
               <a:rPr lang="en-GB" sz="1400" dirty="0">
                 <a:solidFill>
+                  <a:srgbClr val="696969"/>
+                </a:solidFill>
+                <a:latin typeface="Lucida Console" panose="020B0609040504020204" pitchFamily="49" charset="0"/>
+              </a:rPr>
+              <a:t>=</a:t>
+            </a:r>
+            <a:r>
+              <a:rPr lang="en-GB" sz="1400" dirty="0">
+                <a:solidFill>
                   <a:prstClr val="black"/>
                 </a:solidFill>
                 <a:latin typeface="Lucida Console" panose="020B0609040504020204" pitchFamily="49" charset="0"/>
               </a:rPr>
-              <a:t>(</a:t>
+              <a:t> </a:t>
             </a:r>
             <a:r>
               <a:rPr lang="en-GB" sz="1400" dirty="0">
                 <a:solidFill>
-                  <a:srgbClr val="A82D00"/>
-                </a:solidFill>
-                <a:latin typeface="Lucida Console" panose="020B0609040504020204" pitchFamily="49" charset="0"/>
-              </a:rPr>
-              <a:t>$</a:t>
-            </a:r>
-            <a:r>
-              <a:rPr lang="en-GB" sz="1400" dirty="0" err="1">
-                <a:solidFill>
-                  <a:srgbClr val="A82D00"/>
-                </a:solidFill>
-                <a:latin typeface="Lucida Console" panose="020B0609040504020204" pitchFamily="49" charset="0"/>
-              </a:rPr>
-              <a:t>i</a:t>
+                  <a:srgbClr val="800080"/>
+                </a:solidFill>
+                <a:latin typeface="Lucida Console" panose="020B0609040504020204" pitchFamily="49" charset="0"/>
+              </a:rPr>
+              <a:t>1</a:t>
             </a:r>
             <a:r>
               <a:rPr lang="en-GB" sz="1400" dirty="0">
                 <a:solidFill>
-                  <a:prstClr val="black"/>
-                </a:solidFill>
-                <a:latin typeface="Lucida Console" panose="020B0609040504020204" pitchFamily="49" charset="0"/>
-              </a:rPr>
-              <a:t> </a:t>
+                  <a:srgbClr val="696969"/>
+                </a:solidFill>
+                <a:latin typeface="Lucida Console" panose="020B0609040504020204" pitchFamily="49" charset="0"/>
+              </a:rPr>
+              <a:t>..</a:t>
             </a:r>
             <a:r>
               <a:rPr lang="en-GB" sz="1400" dirty="0">
                 <a:solidFill>
-                  <a:srgbClr val="696969"/>
-                </a:solidFill>
-                <a:latin typeface="Lucida Console" panose="020B0609040504020204" pitchFamily="49" charset="0"/>
-              </a:rPr>
-              <a:t>-</a:t>
-            </a:r>
-            <a:r>
-              <a:rPr lang="en-GB" sz="1400" dirty="0" err="1">
-                <a:solidFill>
-                  <a:srgbClr val="696969"/>
-                </a:solidFill>
-                <a:latin typeface="Lucida Console" panose="020B0609040504020204" pitchFamily="49" charset="0"/>
-              </a:rPr>
-              <a:t>lt</a:t>
-            </a:r>
-            <a:r>
-              <a:rPr lang="en-GB" sz="1400" dirty="0">
-                <a:solidFill>
-                  <a:prstClr val="black"/>
-                </a:solidFill>
-                <a:latin typeface="Lucida Console" panose="020B0609040504020204" pitchFamily="49" charset="0"/>
-              </a:rPr>
-              <a:t> </a:t>
-            </a:r>
-            <a:r>
-              <a:rPr lang="en-GB" sz="1400" dirty="0">
-                <a:solidFill>
                   <a:srgbClr val="800080"/>
                 </a:solidFill>
                 <a:latin typeface="Lucida Console" panose="020B0609040504020204" pitchFamily="49" charset="0"/>
               </a:rPr>
               <a:t>5</a:t>
-            </a:r>
-            <a:r>
-              <a:rPr lang="en-GB" sz="1400" dirty="0">
-                <a:solidFill>
-                  <a:prstClr val="black"/>
-                </a:solidFill>
-                <a:latin typeface="Lucida Console" panose="020B0609040504020204" pitchFamily="49" charset="0"/>
-              </a:rPr>
-              <a:t>) {</a:t>
-            </a:r>
-          </a:p>
-          <a:p>
-            <a:pPr marL="457200" lvl="1" indent="0">
-              <a:buNone/>
-            </a:pPr>
-            <a:r>
-              <a:rPr lang="en-GB" sz="1400" dirty="0">
-                <a:solidFill>
-                  <a:prstClr val="black"/>
-                </a:solidFill>
-                <a:latin typeface="Lucida Console" panose="020B0609040504020204" pitchFamily="49" charset="0"/>
-              </a:rPr>
-              <a:t>    </a:t>
-            </a:r>
-            <a:r>
-              <a:rPr lang="en-GB" sz="1400" dirty="0">
-                <a:solidFill>
-                  <a:srgbClr val="0000FF"/>
-                </a:solidFill>
-                <a:latin typeface="Lucida Console" panose="020B0609040504020204" pitchFamily="49" charset="0"/>
-              </a:rPr>
-              <a:t>Write-Host</a:t>
-            </a:r>
-            <a:r>
-              <a:rPr lang="en-GB" sz="1400" dirty="0">
-                <a:solidFill>
-                  <a:prstClr val="black"/>
-                </a:solidFill>
-                <a:latin typeface="Lucida Console" panose="020B0609040504020204" pitchFamily="49" charset="0"/>
-              </a:rPr>
-              <a:t> </a:t>
-            </a:r>
-            <a:r>
-              <a:rPr lang="en-GB" sz="1400" dirty="0">
-                <a:solidFill>
-                  <a:srgbClr val="8B0000"/>
-                </a:solidFill>
-                <a:latin typeface="Lucida Console" panose="020B0609040504020204" pitchFamily="49" charset="0"/>
-              </a:rPr>
-              <a:t>"Iteration </a:t>
-            </a:r>
-            <a:r>
-              <a:rPr lang="en-GB" sz="1400" dirty="0">
-                <a:solidFill>
-                  <a:srgbClr val="A82D00"/>
-                </a:solidFill>
-                <a:latin typeface="Lucida Console" panose="020B0609040504020204" pitchFamily="49" charset="0"/>
-              </a:rPr>
-              <a:t>$</a:t>
-            </a:r>
-            <a:r>
-              <a:rPr lang="en-GB" sz="1400" dirty="0" err="1">
-                <a:solidFill>
-                  <a:srgbClr val="A82D00"/>
-                </a:solidFill>
-                <a:latin typeface="Lucida Console" panose="020B0609040504020204" pitchFamily="49" charset="0"/>
-              </a:rPr>
-              <a:t>i</a:t>
-            </a:r>
-            <a:r>
-              <a:rPr lang="en-GB" sz="1400" dirty="0">
-                <a:solidFill>
-                  <a:srgbClr val="8B0000"/>
-                </a:solidFill>
-                <a:latin typeface="Lucida Console" panose="020B0609040504020204" pitchFamily="49" charset="0"/>
-              </a:rPr>
-              <a:t>"</a:t>
             </a:r>
             <a:endParaRPr lang="en-GB" sz="1400" dirty="0">
               <a:solidFill>
@@ -4727,17 +4726,130 @@
               <a:buNone/>
             </a:pPr>
             <a:r>
+              <a:rPr lang="en-GB" sz="1400" dirty="0" err="1">
+                <a:solidFill>
+                  <a:srgbClr val="00008B"/>
+                </a:solidFill>
+                <a:latin typeface="Lucida Console" panose="020B0609040504020204" pitchFamily="49" charset="0"/>
+              </a:rPr>
+              <a:t>foreach</a:t>
+            </a:r>
+            <a:r>
               <a:rPr lang="en-GB" sz="1400" dirty="0">
                 <a:solidFill>
                   <a:prstClr val="black"/>
                 </a:solidFill>
                 <a:latin typeface="Lucida Console" panose="020B0609040504020204" pitchFamily="49" charset="0"/>
               </a:rPr>
+              <a:t> (</a:t>
+            </a:r>
+            <a:r>
+              <a:rPr lang="en-GB" sz="1400" dirty="0">
+                <a:solidFill>
+                  <a:srgbClr val="A82D00"/>
+                </a:solidFill>
+                <a:latin typeface="Lucida Console" panose="020B0609040504020204" pitchFamily="49" charset="0"/>
+              </a:rPr>
+              <a:t>$</a:t>
+            </a:r>
+            <a:r>
+              <a:rPr lang="en-GB" sz="1400" dirty="0" err="1">
+                <a:solidFill>
+                  <a:srgbClr val="A82D00"/>
+                </a:solidFill>
+                <a:latin typeface="Lucida Console" panose="020B0609040504020204" pitchFamily="49" charset="0"/>
+              </a:rPr>
+              <a:t>num</a:t>
+            </a:r>
+            <a:r>
+              <a:rPr lang="en-GB" sz="1400" dirty="0">
+                <a:solidFill>
+                  <a:prstClr val="black"/>
+                </a:solidFill>
+                <a:latin typeface="Lucida Console" panose="020B0609040504020204" pitchFamily="49" charset="0"/>
+              </a:rPr>
+              <a:t> </a:t>
+            </a:r>
+            <a:r>
+              <a:rPr lang="en-GB" sz="1400" dirty="0">
+                <a:solidFill>
+                  <a:srgbClr val="00008B"/>
+                </a:solidFill>
+                <a:latin typeface="Lucida Console" panose="020B0609040504020204" pitchFamily="49" charset="0"/>
+              </a:rPr>
+              <a:t>in</a:t>
+            </a:r>
+            <a:r>
+              <a:rPr lang="en-GB" sz="1400" dirty="0">
+                <a:solidFill>
+                  <a:prstClr val="black"/>
+                </a:solidFill>
+                <a:latin typeface="Lucida Console" panose="020B0609040504020204" pitchFamily="49" charset="0"/>
+              </a:rPr>
+              <a:t> </a:t>
+            </a:r>
+            <a:r>
+              <a:rPr lang="en-GB" sz="1400" dirty="0">
+                <a:solidFill>
+                  <a:srgbClr val="A82D00"/>
+                </a:solidFill>
+                <a:latin typeface="Lucida Console" panose="020B0609040504020204" pitchFamily="49" charset="0"/>
+              </a:rPr>
+              <a:t>$numbers</a:t>
+            </a:r>
+            <a:r>
+              <a:rPr lang="en-GB" sz="1400" dirty="0">
+                <a:solidFill>
+                  <a:prstClr val="black"/>
+                </a:solidFill>
+                <a:latin typeface="Lucida Console" panose="020B0609040504020204" pitchFamily="49" charset="0"/>
+              </a:rPr>
+              <a:t>) {</a:t>
+            </a:r>
+          </a:p>
+          <a:p>
+            <a:pPr marL="457200" lvl="1" indent="0">
+              <a:buNone/>
+            </a:pPr>
+            <a:r>
+              <a:rPr lang="en-GB" sz="1400" dirty="0">
+                <a:solidFill>
+                  <a:prstClr val="black"/>
+                </a:solidFill>
+                <a:latin typeface="Lucida Console" panose="020B0609040504020204" pitchFamily="49" charset="0"/>
+              </a:rPr>
               <a:t>    </a:t>
             </a:r>
             <a:r>
               <a:rPr lang="en-GB" sz="1400" dirty="0">
                 <a:solidFill>
+                  <a:srgbClr val="0000FF"/>
+                </a:solidFill>
+                <a:latin typeface="Lucida Console" panose="020B0609040504020204" pitchFamily="49" charset="0"/>
+              </a:rPr>
+              <a:t>Write-Host</a:t>
+            </a:r>
+            <a:r>
+              <a:rPr lang="en-GB" sz="1400" dirty="0">
+                <a:solidFill>
+                  <a:prstClr val="black"/>
+                </a:solidFill>
+                <a:latin typeface="Lucida Console" panose="020B0609040504020204" pitchFamily="49" charset="0"/>
+              </a:rPr>
+              <a:t> </a:t>
+            </a:r>
+            <a:r>
+              <a:rPr lang="en-GB" sz="1400" dirty="0">
+                <a:solidFill>
+                  <a:srgbClr val="8B0000"/>
+                </a:solidFill>
+                <a:latin typeface="Lucida Console" panose="020B0609040504020204" pitchFamily="49" charset="0"/>
+              </a:rPr>
+              <a:t>"Number: </a:t>
+            </a:r>
+            <a:r>
+              <a:rPr lang="en-GB" sz="1400" dirty="0">
+                <a:solidFill>
                   <a:srgbClr val="A82D00"/>
                 </a:solidFill>
                 <a:latin typeface="Lucida Console" panose="020B0609040504020204" pitchFamily="49" charset="0"/>
@@ -4751,16 +4863,16 @@
                 </a:solidFill>
                 <a:latin typeface="Lucida Console" panose="020B0609040504020204" pitchFamily="49" charset="0"/>
               </a:rPr>
-              <a:t>i</a:t>
+              <a:t>num</a:t>
             </a:r>
             <a:r>
               <a:rPr lang="en-GB" sz="1400" dirty="0">
                 <a:solidFill>
-                  <a:srgbClr val="696969"/>
-                </a:solidFill>
-                <a:latin typeface="Lucida Console" panose="020B0609040504020204" pitchFamily="49" charset="0"/>
-              </a:rPr>
-              <a:t>++</a:t>
+                  <a:srgbClr val="8B0000"/>
+                </a:solidFill>
+                <a:latin typeface="Lucida Console" panose="020B0609040504020204" pitchFamily="49" charset="0"/>
+              </a:rPr>
+              <a:t>"</a:t>
             </a:r>
             <a:endParaRPr lang="en-GB" sz="1400" dirty="0">
               <a:solidFill>
@@ -4782,28 +4894,30 @@
               </a:rPr>
               <a:t>}</a:t>
             </a:r>
-            <a:endParaRPr lang="en-GB" sz="1400" dirty="0">
-              <a:solidFill>
-                <a:prstClr val="black"/>
-              </a:solidFill>
-              <a:latin typeface="Lucida Console" panose="020B0609040504020204" pitchFamily="49" charset="0"/>
-            </a:endParaRPr>
-          </a:p>
-          <a:p>
-            <a:r>
-              <a:rPr lang="en-GB" sz="1800" dirty="0"/>
-              <a:t>Key </a:t>
-            </a:r>
+            <a:endParaRPr lang="en-US" sz="1800" dirty="0" smtClean="0"/>
+          </a:p>
+          <a:p>
             <a:r>
               <a:rPr lang="en-GB" sz="1800" dirty="0" smtClean="0"/>
-              <a:t>Elements</a:t>
+              <a:t>Key Elements</a:t>
             </a:r>
           </a:p>
           <a:p>
             <a:pPr lvl="1"/>
             <a:r>
               <a:rPr lang="en-US" sz="1400" dirty="0"/>
-              <a:t>Checks condition before each iteration.</a:t>
+              <a:t>Iterates over each item in a collection</a:t>
+            </a:r>
+            <a:r>
+              <a:rPr lang="en-US" sz="1400" dirty="0" smtClean="0"/>
+              <a:t>.</a:t>
+            </a:r>
+          </a:p>
+          <a:p>
+            <a:pPr lvl="1"/>
+            <a:r>
+              <a:rPr lang="en-GB" sz="1400"/>
+              <a:t>No Indexing Required</a:t>
             </a:r>
             <a:endParaRPr lang="en-GB" sz="1400" dirty="0">
               <a:solidFill>
@@ -4890,7 +5004,7 @@
     </p:spTree>
     <p:extLst>
       <p:ext uri="{BB962C8B-B14F-4D97-AF65-F5344CB8AC3E}">
-        <p14:creationId xmlns:p14="http://schemas.microsoft.com/office/powerpoint/2010/main" val="541460469"/>
+        <p14:creationId xmlns:p14="http://schemas.microsoft.com/office/powerpoint/2010/main" val="3484882547"/>
       </p:ext>
     </p:extLst>
   </p:cSld>
@@ -4956,7 +5070,7 @@
           <a:p>
             <a:r>
               <a:rPr lang="en-GB" dirty="0"/>
-              <a:t>Do-While Loop</a:t>
+              <a:t>While Loop</a:t>
             </a:r>
             <a:endParaRPr lang="en-GB" b="1" dirty="0"/>
           </a:p>
@@ -4997,11 +5111,11 @@
             </a:pPr>
             <a:r>
               <a:rPr lang="en-US" sz="1800" dirty="0"/>
-              <a:t>When the loop must execute at least once before checking the </a:t>
+              <a:t>When the loop runs as long as a condition is </a:t>
             </a:r>
             <a:r>
               <a:rPr lang="en-US" sz="1800" dirty="0" smtClean="0"/>
-              <a:t>condition</a:t>
+              <a:t>true</a:t>
             </a:r>
           </a:p>
           <a:p>
@@ -5026,11 +5140,51 @@
               <a:buNone/>
             </a:pPr>
             <a:r>
-              <a:rPr lang="en-GB" dirty="0"/>
+              <a:rPr lang="en-GB" sz="1400" dirty="0" smtClean="0"/>
+              <a:t>$</a:t>
+            </a:r>
+            <a:r>
+              <a:rPr lang="en-GB" sz="1400" dirty="0" err="1"/>
+              <a:t>i</a:t>
+            </a:r>
+            <a:r>
+              <a:rPr lang="en-GB" sz="1400" dirty="0"/>
+              <a:t> = 0</a:t>
+            </a:r>
+          </a:p>
+          <a:p>
+            <a:pPr marL="457200" lvl="1" indent="0">
+              <a:buNone/>
+            </a:pPr>
+            <a:r>
+              <a:rPr lang="en-GB" sz="1400" dirty="0" smtClean="0">
+                <a:solidFill>
+                  <a:srgbClr val="00008B"/>
+                </a:solidFill>
+                <a:latin typeface="Lucida Console" panose="020B0609040504020204" pitchFamily="49" charset="0"/>
+              </a:rPr>
+              <a:t>while</a:t>
+            </a:r>
+            <a:r>
+              <a:rPr lang="en-GB" sz="1400" dirty="0" smtClean="0">
+                <a:solidFill>
+                  <a:prstClr val="black"/>
+                </a:solidFill>
+                <a:latin typeface="Lucida Console" panose="020B0609040504020204" pitchFamily="49" charset="0"/>
+              </a:rPr>
               <a:t> </a:t>
             </a:r>
             <a:r>
-              <a:rPr lang="en-GB" sz="1600" dirty="0">
+              <a:rPr lang="en-GB" sz="1400" dirty="0">
+                <a:solidFill>
+                  <a:prstClr val="black"/>
+                </a:solidFill>
+                <a:latin typeface="Lucida Console" panose="020B0609040504020204" pitchFamily="49" charset="0"/>
+              </a:rPr>
+              <a:t>(</a:t>
+            </a:r>
+            <a:r>
+              <a:rPr lang="en-GB" sz="1400" dirty="0">
                 <a:solidFill>
                   <a:srgbClr val="A82D00"/>
                 </a:solidFill>
@@ -5039,7 +5193,7 @@
               <a:t>$</a:t>
             </a:r>
             <a:r>
-              <a:rPr lang="en-GB" sz="1600" dirty="0" err="1">
+              <a:rPr lang="en-GB" sz="1400" dirty="0" err="1">
                 <a:solidFill>
                   <a:srgbClr val="A82D00"/>
                 </a:solidFill>
@@ -5048,7 +5202,7 @@
               <a:t>i</a:t>
             </a:r>
             <a:r>
-              <a:rPr lang="en-GB" sz="1600" dirty="0">
+              <a:rPr lang="en-GB" sz="1400" dirty="0">
                 <a:solidFill>
                   <a:prstClr val="black"/>
                 </a:solidFill>
@@ -5057,16 +5211,25 @@
               <a:t> </a:t>
             </a:r>
             <a:r>
-              <a:rPr lang="en-GB" sz="1600" dirty="0">
+              <a:rPr lang="en-GB" sz="1400" dirty="0">
                 <a:solidFill>
                   <a:srgbClr val="696969"/>
                 </a:solidFill>
                 <a:latin typeface="Lucida Console" panose="020B0609040504020204" pitchFamily="49" charset="0"/>
               </a:rPr>
-              <a:t>=</a:t>
-            </a:r>
-            <a:r>
-              <a:rPr lang="en-GB" sz="1600" dirty="0">
+              <a:t>-</a:t>
+            </a:r>
+            <a:r>
+              <a:rPr lang="en-GB" sz="1400" dirty="0" err="1">
+                <a:solidFill>
+                  <a:srgbClr val="696969"/>
+                </a:solidFill>
+                <a:latin typeface="Lucida Console" panose="020B0609040504020204" pitchFamily="49" charset="0"/>
+              </a:rPr>
+              <a:t>lt</a:t>
+            </a:r>
+            <a:r>
+              <a:rPr lang="en-GB" sz="1400" dirty="0">
                 <a:solidFill>
                   <a:prstClr val="black"/>
                 </a:solidFill>
@@ -5075,15 +5238,92 @@
               <a:t> </a:t>
             </a:r>
             <a:r>
-              <a:rPr lang="en-GB" sz="1600" dirty="0">
+              <a:rPr lang="en-GB" sz="1400" dirty="0">
                 <a:solidFill>
                   <a:srgbClr val="800080"/>
                 </a:solidFill>
                 <a:latin typeface="Lucida Console" panose="020B0609040504020204" pitchFamily="49" charset="0"/>
               </a:rPr>
-              <a:t>0</a:t>
-            </a:r>
-            <a:endParaRPr lang="en-GB" sz="1600" dirty="0">
+              <a:t>5</a:t>
+            </a:r>
+            <a:r>
+              <a:rPr lang="en-GB" sz="1400" dirty="0">
+                <a:solidFill>
+                  <a:prstClr val="black"/>
+                </a:solidFill>
+                <a:latin typeface="Lucida Console" panose="020B0609040504020204" pitchFamily="49" charset="0"/>
+              </a:rPr>
+              <a:t>) {</a:t>
+            </a:r>
+          </a:p>
+          <a:p>
+            <a:pPr marL="457200" lvl="1" indent="0">
+              <a:buNone/>
+            </a:pPr>
+            <a:r>
+              <a:rPr lang="en-GB" sz="1400" dirty="0">
+                <a:solidFill>
+                  <a:prstClr val="black"/>
+                </a:solidFill>
+                <a:latin typeface="Lucida Console" panose="020B0609040504020204" pitchFamily="49" charset="0"/>
+              </a:rPr>
+              <a:t>    </a:t>
+            </a:r>
+            <a:r>
+              <a:rPr lang="en-GB" sz="1400" dirty="0">
+                <a:solidFill>
+                  <a:srgbClr val="0000FF"/>
+                </a:solidFill>
+                <a:latin typeface="Lucida Console" panose="020B0609040504020204" pitchFamily="49" charset="0"/>
+              </a:rPr>
+              <a:t>Write-Host</a:t>
+            </a:r>
+            <a:r>
+              <a:rPr lang="en-GB" sz="1400" dirty="0">
+                <a:solidFill>
+                  <a:prstClr val="black"/>
+                </a:solidFill>
+                <a:latin typeface="Lucida Console" panose="020B0609040504020204" pitchFamily="49" charset="0"/>
+              </a:rPr>
+              <a:t> </a:t>
+            </a:r>
+            <a:r>
+              <a:rPr lang="en-GB" sz="1400" dirty="0">
+                <a:solidFill>
+                  <a:srgbClr val="8B0000"/>
+                </a:solidFill>
+                <a:latin typeface="Lucida Console" panose="020B0609040504020204" pitchFamily="49" charset="0"/>
+              </a:rPr>
+              <a:t>"Iteration </a:t>
+            </a:r>
+            <a:r>
+              <a:rPr lang="en-GB" sz="1400" dirty="0">
+                <a:solidFill>
+                  <a:srgbClr val="A82D00"/>
+                </a:solidFill>
+                <a:latin typeface="Lucida Console" panose="020B0609040504020204" pitchFamily="49" charset="0"/>
+              </a:rPr>
+              <a:t>$</a:t>
+            </a:r>
+            <a:r>
+              <a:rPr lang="en-GB" sz="1400" dirty="0" err="1">
+                <a:solidFill>
+                  <a:srgbClr val="A82D00"/>
+                </a:solidFill>
+                <a:latin typeface="Lucida Console" panose="020B0609040504020204" pitchFamily="49" charset="0"/>
+              </a:rPr>
+              <a:t>i</a:t>
+            </a:r>
+            <a:r>
+              <a:rPr lang="en-GB" sz="1400" dirty="0">
+                <a:solidFill>
+                  <a:srgbClr val="8B0000"/>
+                </a:solidFill>
+                <a:latin typeface="Lucida Console" panose="020B0609040504020204" pitchFamily="49" charset="0"/>
+              </a:rPr>
+              <a:t>"</a:t>
+            </a:r>
+            <a:endParaRPr lang="en-GB" sz="1400" dirty="0">
               <a:solidFill>
                 <a:prstClr val="black"/>
               </a:solidFill>
@@ -5095,66 +5335,16 @@
               <a:buNone/>
             </a:pPr>
             <a:r>
-              <a:rPr lang="en-GB" sz="1600" dirty="0">
-                <a:solidFill>
-                  <a:srgbClr val="00008B"/>
-                </a:solidFill>
-                <a:latin typeface="Lucida Console" panose="020B0609040504020204" pitchFamily="49" charset="0"/>
-              </a:rPr>
-              <a:t>do</a:t>
-            </a:r>
-            <a:r>
-              <a:rPr lang="en-GB" sz="1600" dirty="0">
+              <a:rPr lang="en-GB" sz="1400" dirty="0">
                 <a:solidFill>
                   <a:prstClr val="black"/>
                 </a:solidFill>
                 <a:latin typeface="Lucida Console" panose="020B0609040504020204" pitchFamily="49" charset="0"/>
               </a:rPr>
-              <a:t> {</a:t>
-            </a:r>
-          </a:p>
-          <a:p>
-            <a:pPr marL="457200" lvl="1" indent="0">
-              <a:buNone/>
-            </a:pPr>
-            <a:r>
-              <a:rPr lang="en-GB" sz="1600" dirty="0">
-                <a:solidFill>
-                  <a:prstClr val="black"/>
-                </a:solidFill>
-                <a:latin typeface="Lucida Console" panose="020B0609040504020204" pitchFamily="49" charset="0"/>
-              </a:rPr>
               <a:t>    </a:t>
             </a:r>
             <a:r>
-              <a:rPr lang="en-GB" sz="1600" dirty="0">
-                <a:solidFill>
-                  <a:srgbClr val="0000FF"/>
-                </a:solidFill>
-                <a:latin typeface="Lucida Console" panose="020B0609040504020204" pitchFamily="49" charset="0"/>
-              </a:rPr>
-              <a:t>Write-Host</a:t>
-            </a:r>
-            <a:r>
-              <a:rPr lang="en-GB" sz="1600" dirty="0">
-                <a:solidFill>
-                  <a:prstClr val="black"/>
-                </a:solidFill>
-                <a:latin typeface="Lucida Console" panose="020B0609040504020204" pitchFamily="49" charset="0"/>
-              </a:rPr>
-              <a:t> </a:t>
-            </a:r>
-            <a:r>
-              <a:rPr lang="en-GB" sz="1600" dirty="0">
-                <a:solidFill>
-                  <a:srgbClr val="8B0000"/>
-                </a:solidFill>
-                <a:latin typeface="Lucida Console" panose="020B0609040504020204" pitchFamily="49" charset="0"/>
-              </a:rPr>
-              <a:t>"Iteration </a:t>
-            </a:r>
-            <a:r>
-              <a:rPr lang="en-GB" sz="1600" dirty="0">
+              <a:rPr lang="en-GB" sz="1400" dirty="0">
                 <a:solidFill>
                   <a:srgbClr val="A82D00"/>
                 </a:solidFill>
@@ -5163,7 +5353,7 @@
               <a:t>$</a:t>
             </a:r>
             <a:r>
-              <a:rPr lang="en-GB" sz="1600" dirty="0" err="1">
+              <a:rPr lang="en-GB" sz="1400" dirty="0" err="1">
                 <a:solidFill>
                   <a:srgbClr val="A82D00"/>
                 </a:solidFill>
@@ -5172,15 +5362,15 @@
               <a:t>i</a:t>
             </a:r>
             <a:r>
-              <a:rPr lang="en-GB" sz="1600" dirty="0">
-                <a:solidFill>
-                  <a:srgbClr val="8B0000"/>
-                </a:solidFill>
-                <a:latin typeface="Lucida Console" panose="020B0609040504020204" pitchFamily="49" charset="0"/>
-              </a:rPr>
-              <a:t>"</a:t>
-            </a:r>
-            <a:endParaRPr lang="en-GB" sz="1600" dirty="0">
+              <a:rPr lang="en-GB" sz="1400" dirty="0">
+                <a:solidFill>
+                  <a:srgbClr val="696969"/>
+                </a:solidFill>
+                <a:latin typeface="Lucida Console" panose="020B0609040504020204" pitchFamily="49" charset="0"/>
+              </a:rPr>
+              <a:t>++</a:t>
+            </a:r>
+            <a:endParaRPr lang="en-GB" sz="1400" dirty="0">
               <a:solidFill>
                 <a:prstClr val="black"/>
               </a:solidFill>
@@ -5192,42 +5382,15 @@
               <a:buNone/>
             </a:pPr>
             <a:r>
-              <a:rPr lang="en-GB" sz="1600" dirty="0">
+              <a:rPr lang="en-GB" sz="1400" dirty="0" smtClean="0">
                 <a:solidFill>
                   <a:prstClr val="black"/>
                 </a:solidFill>
                 <a:latin typeface="Lucida Console" panose="020B0609040504020204" pitchFamily="49" charset="0"/>
               </a:rPr>
-              <a:t>    </a:t>
-            </a:r>
-            <a:r>
-              <a:rPr lang="en-GB" sz="1600" dirty="0">
-                <a:solidFill>
-                  <a:srgbClr val="A82D00"/>
-                </a:solidFill>
-                <a:latin typeface="Lucida Console" panose="020B0609040504020204" pitchFamily="49" charset="0"/>
-              </a:rPr>
-              <a:t>$</a:t>
-            </a:r>
-            <a:r>
-              <a:rPr lang="en-GB" sz="1600" dirty="0" err="1">
-                <a:solidFill>
-                  <a:srgbClr val="A82D00"/>
-                </a:solidFill>
-                <a:latin typeface="Lucida Console" panose="020B0609040504020204" pitchFamily="49" charset="0"/>
-              </a:rPr>
-              <a:t>i</a:t>
-            </a:r>
-            <a:r>
-              <a:rPr lang="en-GB" sz="1600" dirty="0">
-                <a:solidFill>
-                  <a:srgbClr val="696969"/>
-                </a:solidFill>
-                <a:latin typeface="Lucida Console" panose="020B0609040504020204" pitchFamily="49" charset="0"/>
-              </a:rPr>
-              <a:t>++</a:t>
-            </a:r>
-            <a:endParaRPr lang="en-GB" sz="1600" dirty="0">
+              <a:t>}</a:t>
+            </a:r>
+            <a:endParaRPr lang="en-GB" sz="1400" dirty="0">
               <a:solidFill>
                 <a:prstClr val="black"/>
               </a:solidFill>
@@ -5235,131 +5398,20 @@
             </a:endParaRPr>
           </a:p>
           <a:p>
-            <a:pPr marL="457200" lvl="1" indent="0">
-              <a:buNone/>
-            </a:pPr>
-            <a:r>
-              <a:rPr lang="en-GB" sz="1600" dirty="0">
-                <a:solidFill>
-                  <a:prstClr val="black"/>
-                </a:solidFill>
-                <a:latin typeface="Lucida Console" panose="020B0609040504020204" pitchFamily="49" charset="0"/>
-              </a:rPr>
-              <a:t>} </a:t>
-            </a:r>
-            <a:r>
-              <a:rPr lang="en-GB" sz="1600" dirty="0">
-                <a:solidFill>
-                  <a:srgbClr val="00008B"/>
-                </a:solidFill>
-                <a:latin typeface="Lucida Console" panose="020B0609040504020204" pitchFamily="49" charset="0"/>
-              </a:rPr>
-              <a:t>while</a:t>
-            </a:r>
-            <a:r>
-              <a:rPr lang="en-GB" sz="1600" dirty="0">
-                <a:solidFill>
-                  <a:prstClr val="black"/>
-                </a:solidFill>
-                <a:latin typeface="Lucida Console" panose="020B0609040504020204" pitchFamily="49" charset="0"/>
-              </a:rPr>
-              <a:t> (</a:t>
-            </a:r>
-            <a:r>
-              <a:rPr lang="en-GB" sz="1600" dirty="0">
-                <a:solidFill>
-                  <a:srgbClr val="A82D00"/>
-                </a:solidFill>
-                <a:latin typeface="Lucida Console" panose="020B0609040504020204" pitchFamily="49" charset="0"/>
-              </a:rPr>
-              <a:t>$</a:t>
-            </a:r>
-            <a:r>
-              <a:rPr lang="en-GB" sz="1600" dirty="0" err="1">
-                <a:solidFill>
-                  <a:srgbClr val="A82D00"/>
-                </a:solidFill>
-                <a:latin typeface="Lucida Console" panose="020B0609040504020204" pitchFamily="49" charset="0"/>
-              </a:rPr>
-              <a:t>i</a:t>
-            </a:r>
-            <a:r>
-              <a:rPr lang="en-GB" sz="1600" dirty="0">
-                <a:solidFill>
-                  <a:prstClr val="black"/>
-                </a:solidFill>
-                <a:latin typeface="Lucida Console" panose="020B0609040504020204" pitchFamily="49" charset="0"/>
-              </a:rPr>
-              <a:t> </a:t>
-            </a:r>
-            <a:r>
-              <a:rPr lang="en-GB" sz="1600" dirty="0">
-                <a:solidFill>
-                  <a:srgbClr val="696969"/>
-                </a:solidFill>
-                <a:latin typeface="Lucida Console" panose="020B0609040504020204" pitchFamily="49" charset="0"/>
-              </a:rPr>
-              <a:t>-</a:t>
-            </a:r>
-            <a:r>
-              <a:rPr lang="en-GB" sz="1600" dirty="0" err="1">
-                <a:solidFill>
-                  <a:srgbClr val="696969"/>
-                </a:solidFill>
-                <a:latin typeface="Lucida Console" panose="020B0609040504020204" pitchFamily="49" charset="0"/>
-              </a:rPr>
-              <a:t>lt</a:t>
-            </a:r>
-            <a:r>
-              <a:rPr lang="en-GB" sz="1600" dirty="0">
-                <a:solidFill>
-                  <a:prstClr val="black"/>
-                </a:solidFill>
-                <a:latin typeface="Lucida Console" panose="020B0609040504020204" pitchFamily="49" charset="0"/>
-              </a:rPr>
-              <a:t> </a:t>
-            </a:r>
-            <a:r>
-              <a:rPr lang="en-GB" sz="1600" dirty="0">
-                <a:solidFill>
-                  <a:srgbClr val="800080"/>
-                </a:solidFill>
-                <a:latin typeface="Lucida Console" panose="020B0609040504020204" pitchFamily="49" charset="0"/>
-              </a:rPr>
-              <a:t>5</a:t>
-            </a:r>
-            <a:r>
-              <a:rPr lang="en-GB" sz="1600" dirty="0">
-                <a:solidFill>
-                  <a:prstClr val="black"/>
-                </a:solidFill>
-                <a:latin typeface="Lucida Console" panose="020B0609040504020204" pitchFamily="49" charset="0"/>
-              </a:rPr>
-              <a:t>)</a:t>
-            </a:r>
-          </a:p>
-          <a:p>
-            <a:pPr marL="457200" lvl="1" indent="0">
-              <a:buNone/>
-            </a:pPr>
-            <a:endParaRPr lang="en-GB" sz="1400" dirty="0" smtClean="0">
-              <a:solidFill>
-                <a:prstClr val="black"/>
-              </a:solidFill>
-              <a:latin typeface="Lucida Console" panose="020B0609040504020204" pitchFamily="49" charset="0"/>
-            </a:endParaRPr>
-          </a:p>
-          <a:p>
+            <a:r>
+              <a:rPr lang="en-GB" sz="1800" dirty="0"/>
+              <a:t>Key </a:t>
+            </a:r>
             <a:r>
               <a:rPr lang="en-GB" sz="1800" dirty="0" smtClean="0"/>
-              <a:t>Key Elements</a:t>
+              <a:t>Elements</a:t>
             </a:r>
           </a:p>
           <a:p>
             <a:pPr lvl="1"/>
             <a:r>
               <a:rPr lang="en-US" sz="1400" dirty="0"/>
-              <a:t>Executes code before checking condition.</a:t>
+              <a:t>Checks condition before each iteration.</a:t>
             </a:r>
             <a:endParaRPr lang="en-GB" sz="1400" dirty="0">
               <a:solidFill>
@@ -5446,7 +5498,7 @@
     </p:spTree>
     <p:extLst>
       <p:ext uri="{BB962C8B-B14F-4D97-AF65-F5344CB8AC3E}">
-        <p14:creationId xmlns:p14="http://schemas.microsoft.com/office/powerpoint/2010/main" val="1447237912"/>
+        <p14:creationId xmlns:p14="http://schemas.microsoft.com/office/powerpoint/2010/main" val="541460469"/>
       </p:ext>
     </p:extLst>
   </p:cSld>
@@ -5512,7 +5564,7 @@
           <a:p>
             <a:r>
               <a:rPr lang="en-GB" dirty="0"/>
-              <a:t>Do-Until Loop</a:t>
+              <a:t>Do-While Loop</a:t>
             </a:r>
             <a:endParaRPr lang="en-GB" b="1" dirty="0"/>
           </a:p>
@@ -5553,13 +5605,12 @@
             </a:pPr>
             <a:r>
               <a:rPr lang="en-US" sz="1800" dirty="0"/>
-              <a:t>When the loop runs until a condition becomes </a:t>
-            </a:r>
-            <a:r>
-              <a:rPr lang="en-US" sz="1800" b="1" dirty="0" smtClean="0"/>
-              <a:t>false</a:t>
-            </a:r>
-            <a:endParaRPr lang="en-US" sz="1800" dirty="0" smtClean="0"/>
+              <a:t>When the loop must execute at least once before checking the </a:t>
+            </a:r>
+            <a:r>
+              <a:rPr lang="en-US" sz="1800" dirty="0" smtClean="0"/>
+              <a:t>condition</a:t>
+            </a:r>
           </a:p>
           <a:p>
             <a:pPr eaLnBrk="0" fontAlgn="base" hangingPunct="0">
@@ -5583,11 +5634,11 @@
               <a:buNone/>
             </a:pPr>
             <a:r>
-              <a:rPr lang="en-GB" sz="1400" dirty="0"/>
+              <a:rPr lang="en-GB" dirty="0"/>
               <a:t> </a:t>
             </a:r>
             <a:r>
-              <a:rPr lang="en-GB" sz="1400" dirty="0">
+              <a:rPr lang="en-GB" sz="1600" dirty="0">
                 <a:solidFill>
                   <a:srgbClr val="A82D00"/>
                 </a:solidFill>
@@ -5596,7 +5647,7 @@
               <a:t>$</a:t>
             </a:r>
             <a:r>
-              <a:rPr lang="en-GB" sz="1400" dirty="0" err="1">
+              <a:rPr lang="en-GB" sz="1600" dirty="0" err="1">
                 <a:solidFill>
                   <a:srgbClr val="A82D00"/>
                 </a:solidFill>
@@ -5605,7 +5656,7 @@
               <a:t>i</a:t>
             </a:r>
             <a:r>
-              <a:rPr lang="en-GB" sz="1400" dirty="0">
+              <a:rPr lang="en-GB" sz="1600" dirty="0">
                 <a:solidFill>
                   <a:prstClr val="black"/>
                 </a:solidFill>
@@ -5614,7 +5665,7 @@
               <a:t> </a:t>
             </a:r>
             <a:r>
-              <a:rPr lang="en-GB" sz="1400" dirty="0">
+              <a:rPr lang="en-GB" sz="1600" dirty="0">
                 <a:solidFill>
                   <a:srgbClr val="696969"/>
                 </a:solidFill>
@@ -5623,7 +5674,7 @@
               <a:t>=</a:t>
             </a:r>
             <a:r>
-              <a:rPr lang="en-GB" sz="1400" dirty="0">
+              <a:rPr lang="en-GB" sz="1600" dirty="0">
                 <a:solidFill>
                   <a:prstClr val="black"/>
                 </a:solidFill>
@@ -5632,7 +5683,7 @@
               <a:t> </a:t>
             </a:r>
             <a:r>
-              <a:rPr lang="en-GB" sz="1400" dirty="0">
+              <a:rPr lang="en-GB" sz="1600" dirty="0">
                 <a:solidFill>
                   <a:srgbClr val="800080"/>
                 </a:solidFill>
@@ -5640,7 +5691,7 @@
               </a:rPr>
               <a:t>0</a:t>
             </a:r>
-            <a:endParaRPr lang="en-GB" sz="1400" dirty="0">
+            <a:endParaRPr lang="en-GB" sz="1600" dirty="0">
               <a:solidFill>
                 <a:prstClr val="black"/>
               </a:solidFill>
@@ -5652,7 +5703,7 @@
               <a:buNone/>
             </a:pPr>
             <a:r>
-              <a:rPr lang="en-GB" sz="1400" dirty="0">
+              <a:rPr lang="en-GB" sz="1600" dirty="0">
                 <a:solidFill>
                   <a:srgbClr val="00008B"/>
                 </a:solidFill>
@@ -5661,7 +5712,7 @@
               <a:t>do</a:t>
             </a:r>
             <a:r>
-              <a:rPr lang="en-GB" sz="1400" dirty="0">
+              <a:rPr lang="en-GB" sz="1600" dirty="0">
                 <a:solidFill>
                   <a:prstClr val="black"/>
                 </a:solidFill>
@@ -5675,7 +5726,7 @@
               <a:buNone/>
             </a:pPr>
             <a:r>
-              <a:rPr lang="en-GB" sz="1400" dirty="0">
+              <a:rPr lang="en-GB" sz="1600" dirty="0">
                 <a:solidFill>
                   <a:prstClr val="black"/>
                 </a:solidFill>
@@ -5684,7 +5735,7 @@
               <a:t>    </a:t>
             </a:r>
             <a:r>
-              <a:rPr lang="en-GB" sz="1400" dirty="0">
+              <a:rPr lang="en-GB" sz="1600" dirty="0">
                 <a:solidFill>
                   <a:srgbClr val="0000FF"/>
                 </a:solidFill>
@@ -5693,7 +5744,7 @@
               <a:t>Write-Host</a:t>
             </a:r>
             <a:r>
-              <a:rPr lang="en-GB" sz="1400" dirty="0">
+              <a:rPr lang="en-GB" sz="1600" dirty="0">
                 <a:solidFill>
                   <a:prstClr val="black"/>
                 </a:solidFill>
@@ -5702,7 +5753,7 @@
               <a:t> </a:t>
             </a:r>
             <a:r>
-              <a:rPr lang="en-GB" sz="1400" dirty="0">
+              <a:rPr lang="en-GB" sz="1600" dirty="0">
                 <a:solidFill>
                   <a:srgbClr val="8B0000"/>
                 </a:solidFill>
@@ -5711,7 +5762,7 @@
               <a:t>"Iteration </a:t>
             </a:r>
             <a:r>
-              <a:rPr lang="en-GB" sz="1400" dirty="0">
+              <a:rPr lang="en-GB" sz="1600" dirty="0">
                 <a:solidFill>
                   <a:srgbClr val="A82D00"/>
                 </a:solidFill>
@@ -5720,7 +5771,7 @@
               <a:t>$</a:t>
             </a:r>
             <a:r>
-              <a:rPr lang="en-GB" sz="1400" dirty="0" err="1">
+              <a:rPr lang="en-GB" sz="1600" dirty="0" err="1">
                 <a:solidFill>
                   <a:srgbClr val="A82D00"/>
                 </a:solidFill>
@@ -5729,7 +5780,7 @@
               <a:t>i</a:t>
             </a:r>
             <a:r>
-              <a:rPr lang="en-GB" sz="1400" dirty="0">
+              <a:rPr lang="en-GB" sz="1600" dirty="0">
                 <a:solidFill>
                   <a:srgbClr val="8B0000"/>
                 </a:solidFill>
@@ -5737,7 +5788,7 @@
               </a:rPr>
               <a:t>"</a:t>
             </a:r>
-            <a:endParaRPr lang="en-GB" sz="1400" dirty="0">
+            <a:endParaRPr lang="en-GB" sz="1600" dirty="0">
               <a:solidFill>
                 <a:prstClr val="black"/>
               </a:solidFill>
@@ -5749,7 +5800,7 @@
               <a:buNone/>
             </a:pPr>
             <a:r>
-              <a:rPr lang="en-GB" sz="1400" dirty="0">
+              <a:rPr lang="en-GB" sz="1600" dirty="0">
                 <a:solidFill>
                   <a:prstClr val="black"/>
                 </a:solidFill>
@@ -5758,7 +5809,7 @@
               <a:t>    </a:t>
             </a:r>
             <a:r>
-              <a:rPr lang="en-GB" sz="1400" dirty="0">
+              <a:rPr lang="en-GB" sz="1600" dirty="0">
                 <a:solidFill>
                   <a:srgbClr val="A82D00"/>
                 </a:solidFill>
@@ -5767,7 +5818,7 @@
               <a:t>$</a:t>
             </a:r>
             <a:r>
-              <a:rPr lang="en-GB" sz="1400" dirty="0" err="1">
+              <a:rPr lang="en-GB" sz="1600" dirty="0" err="1">
                 <a:solidFill>
                   <a:srgbClr val="A82D00"/>
                 </a:solidFill>
@@ -5776,7 +5827,7 @@
               <a:t>i</a:t>
             </a:r>
             <a:r>
-              <a:rPr lang="en-GB" sz="1400" dirty="0">
+              <a:rPr lang="en-GB" sz="1600" dirty="0">
                 <a:solidFill>
                   <a:srgbClr val="696969"/>
                 </a:solidFill>
@@ -5784,7 +5835,7 @@
               </a:rPr>
               <a:t>++</a:t>
             </a:r>
-            <a:endParaRPr lang="en-GB" sz="1400" dirty="0">
+            <a:endParaRPr lang="en-GB" sz="1600" dirty="0">
               <a:solidFill>
                 <a:prstClr val="black"/>
               </a:solidFill>
@@ -5796,7 +5847,7 @@
               <a:buNone/>
             </a:pPr>
             <a:r>
-              <a:rPr lang="en-GB" sz="1400" dirty="0">
+              <a:rPr lang="en-GB" sz="1600" dirty="0">
                 <a:solidFill>
                   <a:prstClr val="black"/>
                 </a:solidFill>
@@ -5805,16 +5856,16 @@
               <a:t>} </a:t>
             </a:r>
             <a:r>
-              <a:rPr lang="en-GB" sz="1400" dirty="0">
+              <a:rPr lang="en-GB" sz="1600" dirty="0">
                 <a:solidFill>
                   <a:srgbClr val="00008B"/>
                 </a:solidFill>
                 <a:latin typeface="Lucida Console" panose="020B0609040504020204" pitchFamily="49" charset="0"/>
               </a:rPr>
-              <a:t>until</a:t>
-            </a:r>
-            <a:r>
-              <a:rPr lang="en-GB" sz="1400" dirty="0">
+              <a:t>while</a:t>
+            </a:r>
+            <a:r>
+              <a:rPr lang="en-GB" sz="1600" dirty="0">
                 <a:solidFill>
                   <a:prstClr val="black"/>
                 </a:solidFill>
@@ -5823,7 +5874,7 @@
               <a:t> (</a:t>
             </a:r>
             <a:r>
-              <a:rPr lang="en-GB" sz="1400" dirty="0">
+              <a:rPr lang="en-GB" sz="1600" dirty="0">
                 <a:solidFill>
                   <a:srgbClr val="A82D00"/>
                 </a:solidFill>
@@ -5832,7 +5883,7 @@
               <a:t>$</a:t>
             </a:r>
             <a:r>
-              <a:rPr lang="en-GB" sz="1400" dirty="0" err="1">
+              <a:rPr lang="en-GB" sz="1600" dirty="0" err="1">
                 <a:solidFill>
                   <a:srgbClr val="A82D00"/>
                 </a:solidFill>
@@ -5841,7 +5892,7 @@
               <a:t>i</a:t>
             </a:r>
             <a:r>
-              <a:rPr lang="en-GB" sz="1400" dirty="0">
+              <a:rPr lang="en-GB" sz="1600" dirty="0">
                 <a:solidFill>
                   <a:prstClr val="black"/>
                 </a:solidFill>
@@ -5850,7 +5901,7 @@
               <a:t> </a:t>
             </a:r>
             <a:r>
-              <a:rPr lang="en-GB" sz="1400" dirty="0">
+              <a:rPr lang="en-GB" sz="1600" dirty="0">
                 <a:solidFill>
                   <a:srgbClr val="696969"/>
                 </a:solidFill>
@@ -5859,16 +5910,16 @@
               <a:t>-</a:t>
             </a:r>
             <a:r>
-              <a:rPr lang="en-GB" sz="1400" dirty="0" err="1">
+              <a:rPr lang="en-GB" sz="1600" dirty="0" err="1">
                 <a:solidFill>
                   <a:srgbClr val="696969"/>
                 </a:solidFill>
                 <a:latin typeface="Lucida Console" panose="020B0609040504020204" pitchFamily="49" charset="0"/>
               </a:rPr>
-              <a:t>ge</a:t>
-            </a:r>
-            <a:r>
-              <a:rPr lang="en-GB" sz="1400" dirty="0">
+              <a:t>lt</a:t>
+            </a:r>
+            <a:r>
+              <a:rPr lang="en-GB" sz="1600" dirty="0">
                 <a:solidFill>
                   <a:prstClr val="black"/>
                 </a:solidFill>
@@ -5877,7 +5928,7 @@
               <a:t> </a:t>
             </a:r>
             <a:r>
-              <a:rPr lang="en-GB" sz="1400" dirty="0">
+              <a:rPr lang="en-GB" sz="1600" dirty="0">
                 <a:solidFill>
                   <a:srgbClr val="800080"/>
                 </a:solidFill>
@@ -5886,7 +5937,7 @@
               <a:t>5</a:t>
             </a:r>
             <a:r>
-              <a:rPr lang="en-GB" sz="1400" dirty="0" smtClean="0">
+              <a:rPr lang="en-GB" sz="1600" dirty="0">
                 <a:solidFill>
                   <a:prstClr val="black"/>
                 </a:solidFill>
@@ -5915,20 +5966,8 @@
           <a:p>
             <a:pPr lvl="1"/>
             <a:r>
-              <a:rPr lang="en-US" sz="1400" dirty="0" smtClean="0"/>
-              <a:t>Continues </a:t>
-            </a:r>
-            <a:r>
               <a:rPr lang="en-US" sz="1400" dirty="0"/>
-              <a:t>until the condition is </a:t>
-            </a:r>
-            <a:r>
-              <a:rPr lang="en-US" sz="1400" b="1" dirty="0"/>
-              <a:t>false</a:t>
-            </a:r>
-            <a:r>
-              <a:rPr lang="en-US" sz="1400" dirty="0" smtClean="0"/>
-              <a:t>.</a:t>
+              <a:t>Executes code before checking condition.</a:t>
             </a:r>
             <a:endParaRPr lang="en-GB" sz="1400" dirty="0">
               <a:solidFill>
@@ -6015,7 +6054,7 @@
     </p:spTree>
     <p:extLst>
       <p:ext uri="{BB962C8B-B14F-4D97-AF65-F5344CB8AC3E}">
-        <p14:creationId xmlns:p14="http://schemas.microsoft.com/office/powerpoint/2010/main" val="1008973011"/>
+        <p14:creationId xmlns:p14="http://schemas.microsoft.com/office/powerpoint/2010/main" val="1447237912"/>
       </p:ext>
     </p:extLst>
   </p:cSld>
@@ -6080,12 +6119,8 @@
           <a:lstStyle/>
           <a:p>
             <a:r>
-              <a:rPr lang="en-GB" dirty="0" err="1"/>
-              <a:t>ForEach</a:t>
-            </a:r>
-            <a:r>
               <a:rPr lang="en-GB" dirty="0"/>
-              <a:t> Loop</a:t>
+              <a:t>Do-Until Loop</a:t>
             </a:r>
             <a:endParaRPr lang="en-GB" b="1" dirty="0"/>
           </a:p>
@@ -6126,11 +6161,11 @@
             </a:pPr>
             <a:r>
               <a:rPr lang="en-US" sz="1800" dirty="0"/>
-              <a:t>When iterating over a collection or </a:t>
-            </a:r>
-            <a:r>
-              <a:rPr lang="en-US" sz="1800" dirty="0" smtClean="0"/>
-              <a:t>array</a:t>
+              <a:t>When the loop runs until a condition becomes </a:t>
+            </a:r>
+            <a:r>
+              <a:rPr lang="en-US" sz="1800" b="1" dirty="0" smtClean="0"/>
+              <a:t>false</a:t>
             </a:r>
             <a:endParaRPr lang="en-US" sz="1800" dirty="0" smtClean="0"/>
           </a:p>
@@ -6148,11 +6183,7 @@
             </a:pPr>
             <a:r>
               <a:rPr lang="en-US" sz="1800" dirty="0" smtClean="0"/>
-              <a:t>Syntax</a:t>
-            </a:r>
-            <a:r>
-              <a:rPr lang="en-US" sz="1800" dirty="0" smtClean="0"/>
-              <a:t>:</a:t>
+              <a:t>Syntax:</a:t>
             </a:r>
           </a:p>
           <a:p>
@@ -6170,7 +6201,16 @@
                 </a:solidFill>
                 <a:latin typeface="Lucida Console" panose="020B0609040504020204" pitchFamily="49" charset="0"/>
               </a:rPr>
-              <a:t>$numbers</a:t>
+              <a:t>$</a:t>
+            </a:r>
+            <a:r>
+              <a:rPr lang="en-GB" sz="1400" dirty="0" err="1">
+                <a:solidFill>
+                  <a:srgbClr val="A82D00"/>
+                </a:solidFill>
+                <a:latin typeface="Lucida Console" panose="020B0609040504020204" pitchFamily="49" charset="0"/>
+              </a:rPr>
+              <a:t>i</a:t>
             </a:r>
             <a:r>
               <a:rPr lang="en-GB" sz="1400" dirty="0">
@@ -6206,25 +6246,7 @@
                 </a:solidFill>
                 <a:latin typeface="Lucida Console" panose="020B0609040504020204" pitchFamily="49" charset="0"/>
               </a:rPr>
-              <a:t>1</a:t>
-            </a:r>
-            <a:r>
-              <a:rPr lang="en-GB" sz="1400" dirty="0">
-                <a:solidFill>
-                  <a:srgbClr val="696969"/>
-                </a:solidFill>
-                <a:latin typeface="Lucida Console" panose="020B0609040504020204" pitchFamily="49" charset="0"/>
-              </a:rPr>
-              <a:t>..</a:t>
-            </a:r>
-            <a:r>
-              <a:rPr lang="en-GB" sz="1400" dirty="0">
-                <a:solidFill>
-                  <a:srgbClr val="800080"/>
-                </a:solidFill>
-                <a:latin typeface="Lucida Console" panose="020B0609040504020204" pitchFamily="49" charset="0"/>
-              </a:rPr>
-              <a:t>5</a:t>
+              <a:t>0</a:t>
             </a:r>
             <a:endParaRPr lang="en-GB" sz="1400" dirty="0">
               <a:solidFill>
@@ -6238,13 +6260,13 @@
               <a:buNone/>
             </a:pPr>
             <a:r>
-              <a:rPr lang="en-GB" sz="1400" dirty="0" err="1">
+              <a:rPr lang="en-GB" sz="1400" dirty="0">
                 <a:solidFill>
                   <a:srgbClr val="00008B"/>
                 </a:solidFill>
                 <a:latin typeface="Lucida Console" panose="020B0609040504020204" pitchFamily="49" charset="0"/>
               </a:rPr>
-              <a:t>foreach</a:t>
+              <a:t>do</a:t>
             </a:r>
             <a:r>
               <a:rPr lang="en-GB" sz="1400" dirty="0">
@@ -6253,70 +6275,7 @@
                 </a:solidFill>
                 <a:latin typeface="Lucida Console" panose="020B0609040504020204" pitchFamily="49" charset="0"/>
               </a:rPr>
-              <a:t> (</a:t>
-            </a:r>
-            <a:r>
-              <a:rPr lang="en-GB" sz="1400" dirty="0">
-                <a:solidFill>
-                  <a:srgbClr val="A82D00"/>
-                </a:solidFill>
-                <a:latin typeface="Lucida Console" panose="020B0609040504020204" pitchFamily="49" charset="0"/>
-              </a:rPr>
-              <a:t>$</a:t>
-            </a:r>
-            <a:r>
-              <a:rPr lang="en-GB" sz="1400" dirty="0" err="1">
-                <a:solidFill>
-                  <a:srgbClr val="A82D00"/>
-                </a:solidFill>
-                <a:latin typeface="Lucida Console" panose="020B0609040504020204" pitchFamily="49" charset="0"/>
-              </a:rPr>
-              <a:t>num</a:t>
-            </a:r>
-            <a:r>
-              <a:rPr lang="en-GB" sz="1400" dirty="0">
-                <a:solidFill>
-                  <a:prstClr val="black"/>
-                </a:solidFill>
-                <a:latin typeface="Lucida Console" panose="020B0609040504020204" pitchFamily="49" charset="0"/>
-              </a:rPr>
-              <a:t> </a:t>
-            </a:r>
-            <a:r>
-              <a:rPr lang="en-GB" sz="1400" dirty="0">
-                <a:solidFill>
-                  <a:srgbClr val="00008B"/>
-                </a:solidFill>
-                <a:latin typeface="Lucida Console" panose="020B0609040504020204" pitchFamily="49" charset="0"/>
-              </a:rPr>
-              <a:t>in</a:t>
-            </a:r>
-            <a:r>
-              <a:rPr lang="en-GB" sz="1400" dirty="0">
-                <a:solidFill>
-                  <a:prstClr val="black"/>
-                </a:solidFill>
-                <a:latin typeface="Lucida Console" panose="020B0609040504020204" pitchFamily="49" charset="0"/>
-              </a:rPr>
-              <a:t> </a:t>
-            </a:r>
-            <a:r>
-              <a:rPr lang="en-GB" sz="1400" dirty="0">
-                <a:solidFill>
-                  <a:srgbClr val="A82D00"/>
-                </a:solidFill>
-                <a:latin typeface="Lucida Console" panose="020B0609040504020204" pitchFamily="49" charset="0"/>
-              </a:rPr>
-              <a:t>$numbers</a:t>
-            </a:r>
-            <a:r>
-              <a:rPr lang="en-GB" sz="1400" dirty="0">
-                <a:solidFill>
-                  <a:prstClr val="black"/>
-                </a:solidFill>
-                <a:latin typeface="Lucida Console" panose="020B0609040504020204" pitchFamily="49" charset="0"/>
-              </a:rPr>
-              <a:t>) {</a:t>
+              <a:t> {</a:t>
             </a:r>
           </a:p>
           <a:p>
@@ -6357,7 +6316,7 @@
                 </a:solidFill>
                 <a:latin typeface="Lucida Console" panose="020B0609040504020204" pitchFamily="49" charset="0"/>
               </a:rPr>
-              <a:t>"Number: </a:t>
+              <a:t>"Iteration </a:t>
             </a:r>
             <a:r>
               <a:rPr lang="en-GB" sz="1400" dirty="0">
@@ -6375,7 +6334,7 @@
                 </a:solidFill>
                 <a:latin typeface="Lucida Console" panose="020B0609040504020204" pitchFamily="49" charset="0"/>
               </a:rPr>
-              <a:t>num</a:t>
+              <a:t>i</a:t>
             </a:r>
             <a:r>
               <a:rPr lang="en-GB" sz="1400" dirty="0">
@@ -6398,31 +6357,182 @@
               <a:buNone/>
             </a:pPr>
             <a:r>
+              <a:rPr lang="en-GB" sz="1400" dirty="0">
+                <a:solidFill>
+                  <a:prstClr val="black"/>
+                </a:solidFill>
+                <a:latin typeface="Lucida Console" panose="020B0609040504020204" pitchFamily="49" charset="0"/>
+              </a:rPr>
+              <a:t>    </a:t>
+            </a:r>
+            <a:r>
+              <a:rPr lang="en-GB" sz="1400" dirty="0">
+                <a:solidFill>
+                  <a:srgbClr val="A82D00"/>
+                </a:solidFill>
+                <a:latin typeface="Lucida Console" panose="020B0609040504020204" pitchFamily="49" charset="0"/>
+              </a:rPr>
+              <a:t>$</a:t>
+            </a:r>
+            <a:r>
+              <a:rPr lang="en-GB" sz="1400" dirty="0" err="1">
+                <a:solidFill>
+                  <a:srgbClr val="A82D00"/>
+                </a:solidFill>
+                <a:latin typeface="Lucida Console" panose="020B0609040504020204" pitchFamily="49" charset="0"/>
+              </a:rPr>
+              <a:t>i</a:t>
+            </a:r>
+            <a:r>
+              <a:rPr lang="en-GB" sz="1400" dirty="0">
+                <a:solidFill>
+                  <a:srgbClr val="696969"/>
+                </a:solidFill>
+                <a:latin typeface="Lucida Console" panose="020B0609040504020204" pitchFamily="49" charset="0"/>
+              </a:rPr>
+              <a:t>++</a:t>
+            </a:r>
+            <a:endParaRPr lang="en-GB" sz="1400" dirty="0">
+              <a:solidFill>
+                <a:prstClr val="black"/>
+              </a:solidFill>
+              <a:latin typeface="Lucida Console" panose="020B0609040504020204" pitchFamily="49" charset="0"/>
+            </a:endParaRPr>
+          </a:p>
+          <a:p>
+            <a:pPr marL="457200" lvl="1" indent="0">
+              <a:buNone/>
+            </a:pPr>
+            <a:r>
+              <a:rPr lang="en-GB" sz="1400" dirty="0">
+                <a:solidFill>
+                  <a:prstClr val="black"/>
+                </a:solidFill>
+                <a:latin typeface="Lucida Console" panose="020B0609040504020204" pitchFamily="49" charset="0"/>
+              </a:rPr>
+              <a:t>} </a:t>
+            </a:r>
+            <a:r>
+              <a:rPr lang="en-GB" sz="1400" dirty="0">
+                <a:solidFill>
+                  <a:srgbClr val="00008B"/>
+                </a:solidFill>
+                <a:latin typeface="Lucida Console" panose="020B0609040504020204" pitchFamily="49" charset="0"/>
+              </a:rPr>
+              <a:t>until</a:t>
+            </a:r>
+            <a:r>
+              <a:rPr lang="en-GB" sz="1400" dirty="0">
+                <a:solidFill>
+                  <a:prstClr val="black"/>
+                </a:solidFill>
+                <a:latin typeface="Lucida Console" panose="020B0609040504020204" pitchFamily="49" charset="0"/>
+              </a:rPr>
+              <a:t> (</a:t>
+            </a:r>
+            <a:r>
+              <a:rPr lang="en-GB" sz="1400" dirty="0">
+                <a:solidFill>
+                  <a:srgbClr val="A82D00"/>
+                </a:solidFill>
+                <a:latin typeface="Lucida Console" panose="020B0609040504020204" pitchFamily="49" charset="0"/>
+              </a:rPr>
+              <a:t>$</a:t>
+            </a:r>
+            <a:r>
+              <a:rPr lang="en-GB" sz="1400" dirty="0" err="1">
+                <a:solidFill>
+                  <a:srgbClr val="A82D00"/>
+                </a:solidFill>
+                <a:latin typeface="Lucida Console" panose="020B0609040504020204" pitchFamily="49" charset="0"/>
+              </a:rPr>
+              <a:t>i</a:t>
+            </a:r>
+            <a:r>
+              <a:rPr lang="en-GB" sz="1400" dirty="0">
+                <a:solidFill>
+                  <a:prstClr val="black"/>
+                </a:solidFill>
+                <a:latin typeface="Lucida Console" panose="020B0609040504020204" pitchFamily="49" charset="0"/>
+              </a:rPr>
+              <a:t> </a:t>
+            </a:r>
+            <a:r>
+              <a:rPr lang="en-GB" sz="1400" dirty="0">
+                <a:solidFill>
+                  <a:srgbClr val="696969"/>
+                </a:solidFill>
+                <a:latin typeface="Lucida Console" panose="020B0609040504020204" pitchFamily="49" charset="0"/>
+              </a:rPr>
+              <a:t>-</a:t>
+            </a:r>
+            <a:r>
+              <a:rPr lang="en-GB" sz="1400" dirty="0" err="1">
+                <a:solidFill>
+                  <a:srgbClr val="696969"/>
+                </a:solidFill>
+                <a:latin typeface="Lucida Console" panose="020B0609040504020204" pitchFamily="49" charset="0"/>
+              </a:rPr>
+              <a:t>ge</a:t>
+            </a:r>
+            <a:r>
+              <a:rPr lang="en-GB" sz="1400" dirty="0">
+                <a:solidFill>
+                  <a:prstClr val="black"/>
+                </a:solidFill>
+                <a:latin typeface="Lucida Console" panose="020B0609040504020204" pitchFamily="49" charset="0"/>
+              </a:rPr>
+              <a:t> </a:t>
+            </a:r>
+            <a:r>
+              <a:rPr lang="en-GB" sz="1400" dirty="0">
+                <a:solidFill>
+                  <a:srgbClr val="800080"/>
+                </a:solidFill>
+                <a:latin typeface="Lucida Console" panose="020B0609040504020204" pitchFamily="49" charset="0"/>
+              </a:rPr>
+              <a:t>5</a:t>
+            </a:r>
+            <a:r>
               <a:rPr lang="en-GB" sz="1400" dirty="0" smtClean="0">
                 <a:solidFill>
                   <a:prstClr val="black"/>
                 </a:solidFill>
                 <a:latin typeface="Lucida Console" panose="020B0609040504020204" pitchFamily="49" charset="0"/>
               </a:rPr>
-              <a:t>}</a:t>
-            </a:r>
-            <a:endParaRPr lang="en-US" sz="1800" dirty="0" smtClean="0"/>
+              <a:t>)</a:t>
+            </a:r>
+          </a:p>
+          <a:p>
+            <a:pPr marL="457200" lvl="1" indent="0">
+              <a:buNone/>
+            </a:pPr>
+            <a:endParaRPr lang="en-GB" sz="1400" dirty="0" smtClean="0">
+              <a:solidFill>
+                <a:prstClr val="black"/>
+              </a:solidFill>
+              <a:latin typeface="Lucida Console" panose="020B0609040504020204" pitchFamily="49" charset="0"/>
+            </a:endParaRPr>
           </a:p>
           <a:p>
             <a:r>
               <a:rPr lang="en-GB" sz="1800" dirty="0" smtClean="0"/>
-              <a:t>Key </a:t>
-            </a:r>
-            <a:r>
-              <a:rPr lang="en-GB" sz="1800" dirty="0" smtClean="0"/>
-              <a:t>Elements</a:t>
+              <a:t>Key Elements</a:t>
             </a:r>
           </a:p>
           <a:p>
             <a:pPr lvl="1"/>
             <a:r>
+              <a:rPr lang="en-US" sz="1400" dirty="0" smtClean="0"/>
+              <a:t>Continues </a:t>
+            </a:r>
+            <a:r>
               <a:rPr lang="en-US" sz="1400" dirty="0"/>
-              <a:t>Iterates over each item in a collection</a:t>
+              <a:t>until the condition is </a:t>
+            </a:r>
+            <a:r>
+              <a:rPr lang="en-US" sz="1400" b="1" dirty="0"/>
+              <a:t>false</a:t>
             </a:r>
             <a:r>
               <a:rPr lang="en-US" sz="1400" dirty="0" smtClean="0"/>
@@ -6513,7 +6623,7 @@
     </p:spTree>
     <p:extLst>
       <p:ext uri="{BB962C8B-B14F-4D97-AF65-F5344CB8AC3E}">
-        <p14:creationId xmlns:p14="http://schemas.microsoft.com/office/powerpoint/2010/main" val="3484882547"/>
+        <p14:creationId xmlns:p14="http://schemas.microsoft.com/office/powerpoint/2010/main" val="1008973011"/>
       </p:ext>
     </p:extLst>
   </p:cSld>
@@ -6578,6 +6688,1970 @@
           <a:lstStyle/>
           <a:p>
             <a:r>
+              <a:rPr lang="en-GB" dirty="0" smtClean="0"/>
+              <a:t>Comparison</a:t>
+            </a:r>
+            <a:endParaRPr lang="en-GB" b="1" dirty="0"/>
+          </a:p>
+        </p:txBody>
+      </p:sp>
+      <p:graphicFrame>
+        <p:nvGraphicFramePr>
+          <p:cNvPr id="5" name="Content Placeholder 4"/>
+          <p:cNvGraphicFramePr>
+            <a:graphicFrameLocks noGrp="1"/>
+          </p:cNvGraphicFramePr>
+          <p:nvPr>
+            <p:ph idx="1"/>
+            <p:extLst>
+              <p:ext uri="{D42A27DB-BD31-4B8C-83A1-F6EECF244321}">
+                <p14:modId xmlns:p14="http://schemas.microsoft.com/office/powerpoint/2010/main" val="2803561763"/>
+              </p:ext>
+            </p:extLst>
+          </p:nvPr>
+        </p:nvGraphicFramePr>
+        <p:xfrm>
+          <a:off x="930870" y="1671285"/>
+          <a:ext cx="10272588" cy="4689518"/>
+        </p:xfrm>
+        <a:graphic>
+          <a:graphicData uri="http://schemas.openxmlformats.org/drawingml/2006/table">
+            <a:tbl>
+              <a:tblPr/>
+              <a:tblGrid>
+                <a:gridCol w="1712098"/>
+                <a:gridCol w="1703850"/>
+                <a:gridCol w="1720346"/>
+                <a:gridCol w="1712098"/>
+                <a:gridCol w="1712098"/>
+                <a:gridCol w="1712098"/>
+              </a:tblGrid>
+              <a:tr h="314676">
+                <a:tc>
+                  <a:txBody>
+                    <a:bodyPr/>
+                    <a:lstStyle/>
+                    <a:p>
+                      <a:r>
+                        <a:rPr lang="en-GB" sz="1200" b="1" dirty="0"/>
+                        <a:t>Loop Type</a:t>
+                      </a:r>
+                      <a:endParaRPr lang="en-GB" sz="1200" dirty="0"/>
+                    </a:p>
+                  </a:txBody>
+                  <a:tcPr marL="38656" marR="38656" marT="19328" marB="19328" anchor="ctr">
+                    <a:lnL w="12700" cap="flat" cmpd="sng" algn="ctr">
+                      <a:solidFill>
+                        <a:schemeClr val="tx1"/>
+                      </a:solidFill>
+                      <a:prstDash val="solid"/>
+                      <a:round/>
+                      <a:headEnd type="none" w="med" len="med"/>
+                      <a:tailEnd type="none" w="med" len="med"/>
+                    </a:lnL>
+                    <a:lnR w="12700" cap="flat" cmpd="sng" algn="ctr">
+                      <a:solidFill>
+                        <a:schemeClr val="tx1"/>
+                      </a:solidFill>
+                      <a:prstDash val="solid"/>
+                      <a:round/>
+                      <a:headEnd type="none" w="med" len="med"/>
+                      <a:tailEnd type="none" w="med" len="med"/>
+                    </a:lnR>
+                    <a:lnT w="12700" cap="flat" cmpd="sng" algn="ctr">
+                      <a:solidFill>
+                        <a:schemeClr val="tx1"/>
+                      </a:solidFill>
+                      <a:prstDash val="solid"/>
+                      <a:round/>
+                      <a:headEnd type="none" w="med" len="med"/>
+                      <a:tailEnd type="none" w="med" len="med"/>
+                    </a:lnT>
+                    <a:lnB w="12700" cap="flat" cmpd="sng" algn="ctr">
+                      <a:solidFill>
+                        <a:schemeClr val="tx1"/>
+                      </a:solidFill>
+                      <a:prstDash val="solid"/>
+                      <a:round/>
+                      <a:headEnd type="none" w="med" len="med"/>
+                      <a:tailEnd type="none" w="med" len="med"/>
+                    </a:lnB>
+                  </a:tcPr>
+                </a:tc>
+                <a:tc>
+                  <a:txBody>
+                    <a:bodyPr/>
+                    <a:lstStyle/>
+                    <a:p>
+                      <a:r>
+                        <a:rPr lang="en-GB" sz="1200" b="1"/>
+                        <a:t>Condition Check</a:t>
+                      </a:r>
+                      <a:endParaRPr lang="en-GB" sz="1200"/>
+                    </a:p>
+                  </a:txBody>
+                  <a:tcPr marL="38656" marR="38656" marT="19328" marB="19328" anchor="ctr">
+                    <a:lnL w="12700" cap="flat" cmpd="sng" algn="ctr">
+                      <a:solidFill>
+                        <a:schemeClr val="tx1"/>
+                      </a:solidFill>
+                      <a:prstDash val="solid"/>
+                      <a:round/>
+                      <a:headEnd type="none" w="med" len="med"/>
+                      <a:tailEnd type="none" w="med" len="med"/>
+                    </a:lnL>
+                    <a:lnR w="12700" cap="flat" cmpd="sng" algn="ctr">
+                      <a:solidFill>
+                        <a:schemeClr val="tx1"/>
+                      </a:solidFill>
+                      <a:prstDash val="solid"/>
+                      <a:round/>
+                      <a:headEnd type="none" w="med" len="med"/>
+                      <a:tailEnd type="none" w="med" len="med"/>
+                    </a:lnR>
+                    <a:lnT w="12700" cap="flat" cmpd="sng" algn="ctr">
+                      <a:solidFill>
+                        <a:schemeClr val="tx1"/>
+                      </a:solidFill>
+                      <a:prstDash val="solid"/>
+                      <a:round/>
+                      <a:headEnd type="none" w="med" len="med"/>
+                      <a:tailEnd type="none" w="med" len="med"/>
+                    </a:lnT>
+                    <a:lnB w="12700" cap="flat" cmpd="sng" algn="ctr">
+                      <a:solidFill>
+                        <a:schemeClr val="tx1"/>
+                      </a:solidFill>
+                      <a:prstDash val="solid"/>
+                      <a:round/>
+                      <a:headEnd type="none" w="med" len="med"/>
+                      <a:tailEnd type="none" w="med" len="med"/>
+                    </a:lnB>
+                  </a:tcPr>
+                </a:tc>
+                <a:tc>
+                  <a:txBody>
+                    <a:bodyPr/>
+                    <a:lstStyle/>
+                    <a:p>
+                      <a:r>
+                        <a:rPr lang="en-GB" sz="1200" b="1"/>
+                        <a:t>Best Use Case</a:t>
+                      </a:r>
+                      <a:endParaRPr lang="en-GB" sz="1200"/>
+                    </a:p>
+                  </a:txBody>
+                  <a:tcPr marL="38656" marR="38656" marT="19328" marB="19328" anchor="ctr">
+                    <a:lnL w="12700" cap="flat" cmpd="sng" algn="ctr">
+                      <a:solidFill>
+                        <a:schemeClr val="tx1"/>
+                      </a:solidFill>
+                      <a:prstDash val="solid"/>
+                      <a:round/>
+                      <a:headEnd type="none" w="med" len="med"/>
+                      <a:tailEnd type="none" w="med" len="med"/>
+                    </a:lnL>
+                    <a:lnR w="12700" cap="flat" cmpd="sng" algn="ctr">
+                      <a:solidFill>
+                        <a:schemeClr val="tx1"/>
+                      </a:solidFill>
+                      <a:prstDash val="solid"/>
+                      <a:round/>
+                      <a:headEnd type="none" w="med" len="med"/>
+                      <a:tailEnd type="none" w="med" len="med"/>
+                    </a:lnR>
+                    <a:lnT w="12700" cap="flat" cmpd="sng" algn="ctr">
+                      <a:solidFill>
+                        <a:schemeClr val="tx1"/>
+                      </a:solidFill>
+                      <a:prstDash val="solid"/>
+                      <a:round/>
+                      <a:headEnd type="none" w="med" len="med"/>
+                      <a:tailEnd type="none" w="med" len="med"/>
+                    </a:lnT>
+                    <a:lnB w="12700" cap="flat" cmpd="sng" algn="ctr">
+                      <a:solidFill>
+                        <a:schemeClr val="tx1"/>
+                      </a:solidFill>
+                      <a:prstDash val="solid"/>
+                      <a:round/>
+                      <a:headEnd type="none" w="med" len="med"/>
+                      <a:tailEnd type="none" w="med" len="med"/>
+                    </a:lnB>
+                  </a:tcPr>
+                </a:tc>
+                <a:tc>
+                  <a:txBody>
+                    <a:bodyPr/>
+                    <a:lstStyle/>
+                    <a:p>
+                      <a:r>
+                        <a:rPr lang="en-GB" sz="1200" b="1"/>
+                        <a:t>Key Characteristics</a:t>
+                      </a:r>
+                      <a:endParaRPr lang="en-GB" sz="1200"/>
+                    </a:p>
+                  </a:txBody>
+                  <a:tcPr marL="38656" marR="38656" marT="19328" marB="19328" anchor="ctr">
+                    <a:lnL w="12700" cap="flat" cmpd="sng" algn="ctr">
+                      <a:solidFill>
+                        <a:schemeClr val="tx1"/>
+                      </a:solidFill>
+                      <a:prstDash val="solid"/>
+                      <a:round/>
+                      <a:headEnd type="none" w="med" len="med"/>
+                      <a:tailEnd type="none" w="med" len="med"/>
+                    </a:lnL>
+                    <a:lnR w="12700" cap="flat" cmpd="sng" algn="ctr">
+                      <a:solidFill>
+                        <a:schemeClr val="tx1"/>
+                      </a:solidFill>
+                      <a:prstDash val="solid"/>
+                      <a:round/>
+                      <a:headEnd type="none" w="med" len="med"/>
+                      <a:tailEnd type="none" w="med" len="med"/>
+                    </a:lnR>
+                    <a:lnT w="12700" cap="flat" cmpd="sng" algn="ctr">
+                      <a:solidFill>
+                        <a:schemeClr val="tx1"/>
+                      </a:solidFill>
+                      <a:prstDash val="solid"/>
+                      <a:round/>
+                      <a:headEnd type="none" w="med" len="med"/>
+                      <a:tailEnd type="none" w="med" len="med"/>
+                    </a:lnT>
+                    <a:lnB w="12700" cap="flat" cmpd="sng" algn="ctr">
+                      <a:solidFill>
+                        <a:schemeClr val="tx1"/>
+                      </a:solidFill>
+                      <a:prstDash val="solid"/>
+                      <a:round/>
+                      <a:headEnd type="none" w="med" len="med"/>
+                      <a:tailEnd type="none" w="med" len="med"/>
+                    </a:lnB>
+                  </a:tcPr>
+                </a:tc>
+                <a:tc>
+                  <a:txBody>
+                    <a:bodyPr/>
+                    <a:lstStyle/>
+                    <a:p>
+                      <a:r>
+                        <a:rPr lang="en-GB" sz="1200" b="1"/>
+                        <a:t>Syntax Example</a:t>
+                      </a:r>
+                      <a:endParaRPr lang="en-GB" sz="1200"/>
+                    </a:p>
+                  </a:txBody>
+                  <a:tcPr marL="38656" marR="38656" marT="19328" marB="19328" anchor="ctr">
+                    <a:lnL w="12700" cap="flat" cmpd="sng" algn="ctr">
+                      <a:solidFill>
+                        <a:schemeClr val="tx1"/>
+                      </a:solidFill>
+                      <a:prstDash val="solid"/>
+                      <a:round/>
+                      <a:headEnd type="none" w="med" len="med"/>
+                      <a:tailEnd type="none" w="med" len="med"/>
+                    </a:lnL>
+                    <a:lnR w="12700" cap="flat" cmpd="sng" algn="ctr">
+                      <a:solidFill>
+                        <a:schemeClr val="tx1"/>
+                      </a:solidFill>
+                      <a:prstDash val="solid"/>
+                      <a:round/>
+                      <a:headEnd type="none" w="med" len="med"/>
+                      <a:tailEnd type="none" w="med" len="med"/>
+                    </a:lnR>
+                    <a:lnT w="12700" cap="flat" cmpd="sng" algn="ctr">
+                      <a:solidFill>
+                        <a:schemeClr val="tx1"/>
+                      </a:solidFill>
+                      <a:prstDash val="solid"/>
+                      <a:round/>
+                      <a:headEnd type="none" w="med" len="med"/>
+                      <a:tailEnd type="none" w="med" len="med"/>
+                    </a:lnT>
+                    <a:lnB w="12700" cap="flat" cmpd="sng" algn="ctr">
+                      <a:solidFill>
+                        <a:schemeClr val="tx1"/>
+                      </a:solidFill>
+                      <a:prstDash val="solid"/>
+                      <a:round/>
+                      <a:headEnd type="none" w="med" len="med"/>
+                      <a:tailEnd type="none" w="med" len="med"/>
+                    </a:lnB>
+                  </a:tcPr>
+                </a:tc>
+                <a:tc>
+                  <a:txBody>
+                    <a:bodyPr/>
+                    <a:lstStyle/>
+                    <a:p>
+                      <a:r>
+                        <a:rPr lang="en-GB" sz="1200" b="1"/>
+                        <a:t>When to Use</a:t>
+                      </a:r>
+                      <a:endParaRPr lang="en-GB" sz="1200"/>
+                    </a:p>
+                  </a:txBody>
+                  <a:tcPr marL="38656" marR="38656" marT="19328" marB="19328" anchor="ctr">
+                    <a:lnL w="12700" cap="flat" cmpd="sng" algn="ctr">
+                      <a:solidFill>
+                        <a:schemeClr val="tx1"/>
+                      </a:solidFill>
+                      <a:prstDash val="solid"/>
+                      <a:round/>
+                      <a:headEnd type="none" w="med" len="med"/>
+                      <a:tailEnd type="none" w="med" len="med"/>
+                    </a:lnL>
+                    <a:lnR w="12700" cap="flat" cmpd="sng" algn="ctr">
+                      <a:solidFill>
+                        <a:schemeClr val="tx1"/>
+                      </a:solidFill>
+                      <a:prstDash val="solid"/>
+                      <a:round/>
+                      <a:headEnd type="none" w="med" len="med"/>
+                      <a:tailEnd type="none" w="med" len="med"/>
+                    </a:lnR>
+                    <a:lnT w="12700" cap="flat" cmpd="sng" algn="ctr">
+                      <a:solidFill>
+                        <a:schemeClr val="tx1"/>
+                      </a:solidFill>
+                      <a:prstDash val="solid"/>
+                      <a:round/>
+                      <a:headEnd type="none" w="med" len="med"/>
+                      <a:tailEnd type="none" w="med" len="med"/>
+                    </a:lnT>
+                    <a:lnB w="12700" cap="flat" cmpd="sng" algn="ctr">
+                      <a:solidFill>
+                        <a:schemeClr val="tx1"/>
+                      </a:solidFill>
+                      <a:prstDash val="solid"/>
+                      <a:round/>
+                      <a:headEnd type="none" w="med" len="med"/>
+                      <a:tailEnd type="none" w="med" len="med"/>
+                    </a:lnB>
+                  </a:tcPr>
+                </a:tc>
+              </a:tr>
+              <a:tr h="883870">
+                <a:tc>
+                  <a:txBody>
+                    <a:bodyPr/>
+                    <a:lstStyle/>
+                    <a:p>
+                      <a:r>
+                        <a:rPr lang="en-GB" sz="1200" b="1" dirty="0"/>
+                        <a:t>For</a:t>
+                      </a:r>
+                      <a:endParaRPr lang="en-GB" sz="1200" dirty="0"/>
+                    </a:p>
+                  </a:txBody>
+                  <a:tcPr marL="38656" marR="38656" marT="19328" marB="19328" anchor="ctr">
+                    <a:lnL w="12700" cap="flat" cmpd="sng" algn="ctr">
+                      <a:solidFill>
+                        <a:schemeClr val="tx1"/>
+                      </a:solidFill>
+                      <a:prstDash val="solid"/>
+                      <a:round/>
+                      <a:headEnd type="none" w="med" len="med"/>
+                      <a:tailEnd type="none" w="med" len="med"/>
+                    </a:lnL>
+                    <a:lnR w="12700" cap="flat" cmpd="sng" algn="ctr">
+                      <a:solidFill>
+                        <a:schemeClr val="tx1"/>
+                      </a:solidFill>
+                      <a:prstDash val="solid"/>
+                      <a:round/>
+                      <a:headEnd type="none" w="med" len="med"/>
+                      <a:tailEnd type="none" w="med" len="med"/>
+                    </a:lnR>
+                    <a:lnT w="12700" cap="flat" cmpd="sng" algn="ctr">
+                      <a:solidFill>
+                        <a:schemeClr val="tx1"/>
+                      </a:solidFill>
+                      <a:prstDash val="solid"/>
+                      <a:round/>
+                      <a:headEnd type="none" w="med" len="med"/>
+                      <a:tailEnd type="none" w="med" len="med"/>
+                    </a:lnT>
+                    <a:lnB w="12700" cap="flat" cmpd="sng" algn="ctr">
+                      <a:solidFill>
+                        <a:schemeClr val="tx1"/>
+                      </a:solidFill>
+                      <a:prstDash val="solid"/>
+                      <a:round/>
+                      <a:headEnd type="none" w="med" len="med"/>
+                      <a:tailEnd type="none" w="med" len="med"/>
+                    </a:lnB>
+                  </a:tcPr>
+                </a:tc>
+                <a:tc>
+                  <a:txBody>
+                    <a:bodyPr/>
+                    <a:lstStyle/>
+                    <a:p>
+                      <a:r>
+                        <a:rPr lang="en-GB" sz="1200" dirty="0"/>
+                        <a:t>Before iteration</a:t>
+                      </a:r>
+                    </a:p>
+                  </a:txBody>
+                  <a:tcPr marL="38656" marR="38656" marT="19328" marB="19328" anchor="ctr">
+                    <a:lnL w="12700" cap="flat" cmpd="sng" algn="ctr">
+                      <a:solidFill>
+                        <a:schemeClr val="tx1"/>
+                      </a:solidFill>
+                      <a:prstDash val="solid"/>
+                      <a:round/>
+                      <a:headEnd type="none" w="med" len="med"/>
+                      <a:tailEnd type="none" w="med" len="med"/>
+                    </a:lnL>
+                    <a:lnR w="12700" cap="flat" cmpd="sng" algn="ctr">
+                      <a:solidFill>
+                        <a:schemeClr val="tx1"/>
+                      </a:solidFill>
+                      <a:prstDash val="solid"/>
+                      <a:round/>
+                      <a:headEnd type="none" w="med" len="med"/>
+                      <a:tailEnd type="none" w="med" len="med"/>
+                    </a:lnR>
+                    <a:lnT w="12700" cap="flat" cmpd="sng" algn="ctr">
+                      <a:solidFill>
+                        <a:schemeClr val="tx1"/>
+                      </a:solidFill>
+                      <a:prstDash val="solid"/>
+                      <a:round/>
+                      <a:headEnd type="none" w="med" len="med"/>
+                      <a:tailEnd type="none" w="med" len="med"/>
+                    </a:lnT>
+                    <a:lnB w="12700" cap="flat" cmpd="sng" algn="ctr">
+                      <a:solidFill>
+                        <a:schemeClr val="tx1"/>
+                      </a:solidFill>
+                      <a:prstDash val="solid"/>
+                      <a:round/>
+                      <a:headEnd type="none" w="med" len="med"/>
+                      <a:tailEnd type="none" w="med" len="med"/>
+                    </a:lnB>
+                  </a:tcPr>
+                </a:tc>
+                <a:tc>
+                  <a:txBody>
+                    <a:bodyPr/>
+                    <a:lstStyle/>
+                    <a:p>
+                      <a:r>
+                        <a:rPr lang="en-US" sz="1200" dirty="0"/>
+                        <a:t>Known number of iterations, working with ranges or indexes.</a:t>
+                      </a:r>
+                    </a:p>
+                  </a:txBody>
+                  <a:tcPr marL="38656" marR="38656" marT="19328" marB="19328" anchor="ctr">
+                    <a:lnL w="12700" cap="flat" cmpd="sng" algn="ctr">
+                      <a:solidFill>
+                        <a:schemeClr val="tx1"/>
+                      </a:solidFill>
+                      <a:prstDash val="solid"/>
+                      <a:round/>
+                      <a:headEnd type="none" w="med" len="med"/>
+                      <a:tailEnd type="none" w="med" len="med"/>
+                    </a:lnL>
+                    <a:lnR w="12700" cap="flat" cmpd="sng" algn="ctr">
+                      <a:solidFill>
+                        <a:schemeClr val="tx1"/>
+                      </a:solidFill>
+                      <a:prstDash val="solid"/>
+                      <a:round/>
+                      <a:headEnd type="none" w="med" len="med"/>
+                      <a:tailEnd type="none" w="med" len="med"/>
+                    </a:lnR>
+                    <a:lnT w="12700" cap="flat" cmpd="sng" algn="ctr">
+                      <a:solidFill>
+                        <a:schemeClr val="tx1"/>
+                      </a:solidFill>
+                      <a:prstDash val="solid"/>
+                      <a:round/>
+                      <a:headEnd type="none" w="med" len="med"/>
+                      <a:tailEnd type="none" w="med" len="med"/>
+                    </a:lnT>
+                    <a:lnB w="12700" cap="flat" cmpd="sng" algn="ctr">
+                      <a:solidFill>
+                        <a:schemeClr val="tx1"/>
+                      </a:solidFill>
+                      <a:prstDash val="solid"/>
+                      <a:round/>
+                      <a:headEnd type="none" w="med" len="med"/>
+                      <a:tailEnd type="none" w="med" len="med"/>
+                    </a:lnB>
+                  </a:tcPr>
+                </a:tc>
+                <a:tc>
+                  <a:txBody>
+                    <a:bodyPr/>
+                    <a:lstStyle/>
+                    <a:p>
+                      <a:r>
+                        <a:rPr lang="en-US" sz="1200"/>
+                        <a:t>Explicit initialization, condition check, and increment. Provides full control over the loop counter.</a:t>
+                      </a:r>
+                    </a:p>
+                  </a:txBody>
+                  <a:tcPr marL="38656" marR="38656" marT="19328" marB="19328" anchor="ctr">
+                    <a:lnL w="12700" cap="flat" cmpd="sng" algn="ctr">
+                      <a:solidFill>
+                        <a:schemeClr val="tx1"/>
+                      </a:solidFill>
+                      <a:prstDash val="solid"/>
+                      <a:round/>
+                      <a:headEnd type="none" w="med" len="med"/>
+                      <a:tailEnd type="none" w="med" len="med"/>
+                    </a:lnL>
+                    <a:lnR w="12700" cap="flat" cmpd="sng" algn="ctr">
+                      <a:solidFill>
+                        <a:schemeClr val="tx1"/>
+                      </a:solidFill>
+                      <a:prstDash val="solid"/>
+                      <a:round/>
+                      <a:headEnd type="none" w="med" len="med"/>
+                      <a:tailEnd type="none" w="med" len="med"/>
+                    </a:lnR>
+                    <a:lnT w="12700" cap="flat" cmpd="sng" algn="ctr">
+                      <a:solidFill>
+                        <a:schemeClr val="tx1"/>
+                      </a:solidFill>
+                      <a:prstDash val="solid"/>
+                      <a:round/>
+                      <a:headEnd type="none" w="med" len="med"/>
+                      <a:tailEnd type="none" w="med" len="med"/>
+                    </a:lnT>
+                    <a:lnB w="12700" cap="flat" cmpd="sng" algn="ctr">
+                      <a:solidFill>
+                        <a:schemeClr val="tx1"/>
+                      </a:solidFill>
+                      <a:prstDash val="solid"/>
+                      <a:round/>
+                      <a:headEnd type="none" w="med" len="med"/>
+                      <a:tailEnd type="none" w="med" len="med"/>
+                    </a:lnB>
+                  </a:tcPr>
+                </a:tc>
+                <a:tc>
+                  <a:txBody>
+                    <a:bodyPr/>
+                    <a:lstStyle/>
+                    <a:p>
+                      <a:r>
+                        <a:rPr lang="en-GB" sz="1200"/>
+                        <a:t>for ($i = 0; $i -lt 5; $i++) { Write-Host $i }</a:t>
+                      </a:r>
+                    </a:p>
+                  </a:txBody>
+                  <a:tcPr marL="38656" marR="38656" marT="19328" marB="19328" anchor="ctr">
+                    <a:lnL w="12700" cap="flat" cmpd="sng" algn="ctr">
+                      <a:solidFill>
+                        <a:schemeClr val="tx1"/>
+                      </a:solidFill>
+                      <a:prstDash val="solid"/>
+                      <a:round/>
+                      <a:headEnd type="none" w="med" len="med"/>
+                      <a:tailEnd type="none" w="med" len="med"/>
+                    </a:lnL>
+                    <a:lnR w="12700" cap="flat" cmpd="sng" algn="ctr">
+                      <a:solidFill>
+                        <a:schemeClr val="tx1"/>
+                      </a:solidFill>
+                      <a:prstDash val="solid"/>
+                      <a:round/>
+                      <a:headEnd type="none" w="med" len="med"/>
+                      <a:tailEnd type="none" w="med" len="med"/>
+                    </a:lnR>
+                    <a:lnT w="12700" cap="flat" cmpd="sng" algn="ctr">
+                      <a:solidFill>
+                        <a:schemeClr val="tx1"/>
+                      </a:solidFill>
+                      <a:prstDash val="solid"/>
+                      <a:round/>
+                      <a:headEnd type="none" w="med" len="med"/>
+                      <a:tailEnd type="none" w="med" len="med"/>
+                    </a:lnT>
+                    <a:lnB w="12700" cap="flat" cmpd="sng" algn="ctr">
+                      <a:solidFill>
+                        <a:schemeClr val="tx1"/>
+                      </a:solidFill>
+                      <a:prstDash val="solid"/>
+                      <a:round/>
+                      <a:headEnd type="none" w="med" len="med"/>
+                      <a:tailEnd type="none" w="med" len="med"/>
+                    </a:lnB>
+                  </a:tcPr>
+                </a:tc>
+                <a:tc>
+                  <a:txBody>
+                    <a:bodyPr/>
+                    <a:lstStyle/>
+                    <a:p>
+                      <a:r>
+                        <a:rPr lang="en-US" sz="1200"/>
+                        <a:t>When you need a specific number of iterations or need access to the index.</a:t>
+                      </a:r>
+                    </a:p>
+                  </a:txBody>
+                  <a:tcPr marL="38656" marR="38656" marT="19328" marB="19328" anchor="ctr">
+                    <a:lnL w="12700" cap="flat" cmpd="sng" algn="ctr">
+                      <a:solidFill>
+                        <a:schemeClr val="tx1"/>
+                      </a:solidFill>
+                      <a:prstDash val="solid"/>
+                      <a:round/>
+                      <a:headEnd type="none" w="med" len="med"/>
+                      <a:tailEnd type="none" w="med" len="med"/>
+                    </a:lnL>
+                    <a:lnR w="12700" cap="flat" cmpd="sng" algn="ctr">
+                      <a:solidFill>
+                        <a:schemeClr val="tx1"/>
+                      </a:solidFill>
+                      <a:prstDash val="solid"/>
+                      <a:round/>
+                      <a:headEnd type="none" w="med" len="med"/>
+                      <a:tailEnd type="none" w="med" len="med"/>
+                    </a:lnR>
+                    <a:lnT w="12700" cap="flat" cmpd="sng" algn="ctr">
+                      <a:solidFill>
+                        <a:schemeClr val="tx1"/>
+                      </a:solidFill>
+                      <a:prstDash val="solid"/>
+                      <a:round/>
+                      <a:headEnd type="none" w="med" len="med"/>
+                      <a:tailEnd type="none" w="med" len="med"/>
+                    </a:lnT>
+                    <a:lnB w="12700" cap="flat" cmpd="sng" algn="ctr">
+                      <a:solidFill>
+                        <a:schemeClr val="tx1"/>
+                      </a:solidFill>
+                      <a:prstDash val="solid"/>
+                      <a:round/>
+                      <a:headEnd type="none" w="med" len="med"/>
+                      <a:tailEnd type="none" w="med" len="med"/>
+                    </a:lnB>
+                  </a:tcPr>
+                </a:tc>
+              </a:tr>
+              <a:tr h="599272">
+                <a:tc>
+                  <a:txBody>
+                    <a:bodyPr/>
+                    <a:lstStyle/>
+                    <a:p>
+                      <a:r>
+                        <a:rPr lang="en-GB" sz="1200" b="1"/>
+                        <a:t>ForEach</a:t>
+                      </a:r>
+                      <a:endParaRPr lang="en-GB" sz="1200"/>
+                    </a:p>
+                  </a:txBody>
+                  <a:tcPr marL="38656" marR="38656" marT="19328" marB="19328" anchor="ctr">
+                    <a:lnL w="12700" cap="flat" cmpd="sng" algn="ctr">
+                      <a:solidFill>
+                        <a:schemeClr val="tx1"/>
+                      </a:solidFill>
+                      <a:prstDash val="solid"/>
+                      <a:round/>
+                      <a:headEnd type="none" w="med" len="med"/>
+                      <a:tailEnd type="none" w="med" len="med"/>
+                    </a:lnL>
+                    <a:lnR w="12700" cap="flat" cmpd="sng" algn="ctr">
+                      <a:solidFill>
+                        <a:schemeClr val="tx1"/>
+                      </a:solidFill>
+                      <a:prstDash val="solid"/>
+                      <a:round/>
+                      <a:headEnd type="none" w="med" len="med"/>
+                      <a:tailEnd type="none" w="med" len="med"/>
+                    </a:lnR>
+                    <a:lnT w="12700" cap="flat" cmpd="sng" algn="ctr">
+                      <a:solidFill>
+                        <a:schemeClr val="tx1"/>
+                      </a:solidFill>
+                      <a:prstDash val="solid"/>
+                      <a:round/>
+                      <a:headEnd type="none" w="med" len="med"/>
+                      <a:tailEnd type="none" w="med" len="med"/>
+                    </a:lnT>
+                    <a:lnB w="12700" cap="flat" cmpd="sng" algn="ctr">
+                      <a:solidFill>
+                        <a:schemeClr val="tx1"/>
+                      </a:solidFill>
+                      <a:prstDash val="solid"/>
+                      <a:round/>
+                      <a:headEnd type="none" w="med" len="med"/>
+                      <a:tailEnd type="none" w="med" len="med"/>
+                    </a:lnB>
+                  </a:tcPr>
+                </a:tc>
+                <a:tc>
+                  <a:txBody>
+                    <a:bodyPr/>
+                    <a:lstStyle/>
+                    <a:p>
+                      <a:r>
+                        <a:rPr lang="en-US" sz="1200"/>
+                        <a:t>Implicitly iterates over a collection</a:t>
+                      </a:r>
+                    </a:p>
+                  </a:txBody>
+                  <a:tcPr marL="38656" marR="38656" marT="19328" marB="19328" anchor="ctr">
+                    <a:lnL w="12700" cap="flat" cmpd="sng" algn="ctr">
+                      <a:solidFill>
+                        <a:schemeClr val="tx1"/>
+                      </a:solidFill>
+                      <a:prstDash val="solid"/>
+                      <a:round/>
+                      <a:headEnd type="none" w="med" len="med"/>
+                      <a:tailEnd type="none" w="med" len="med"/>
+                    </a:lnL>
+                    <a:lnR w="12700" cap="flat" cmpd="sng" algn="ctr">
+                      <a:solidFill>
+                        <a:schemeClr val="tx1"/>
+                      </a:solidFill>
+                      <a:prstDash val="solid"/>
+                      <a:round/>
+                      <a:headEnd type="none" w="med" len="med"/>
+                      <a:tailEnd type="none" w="med" len="med"/>
+                    </a:lnR>
+                    <a:lnT w="12700" cap="flat" cmpd="sng" algn="ctr">
+                      <a:solidFill>
+                        <a:schemeClr val="tx1"/>
+                      </a:solidFill>
+                      <a:prstDash val="solid"/>
+                      <a:round/>
+                      <a:headEnd type="none" w="med" len="med"/>
+                      <a:tailEnd type="none" w="med" len="med"/>
+                    </a:lnT>
+                    <a:lnB w="12700" cap="flat" cmpd="sng" algn="ctr">
+                      <a:solidFill>
+                        <a:schemeClr val="tx1"/>
+                      </a:solidFill>
+                      <a:prstDash val="solid"/>
+                      <a:round/>
+                      <a:headEnd type="none" w="med" len="med"/>
+                      <a:tailEnd type="none" w="med" len="med"/>
+                    </a:lnB>
+                  </a:tcPr>
+                </a:tc>
+                <a:tc>
+                  <a:txBody>
+                    <a:bodyPr/>
+                    <a:lstStyle/>
+                    <a:p>
+                      <a:r>
+                        <a:rPr lang="en-US" sz="1200"/>
+                        <a:t>Iterating over arrays, collections, or cmdlet output.</a:t>
+                      </a:r>
+                    </a:p>
+                  </a:txBody>
+                  <a:tcPr marL="38656" marR="38656" marT="19328" marB="19328" anchor="ctr">
+                    <a:lnL w="12700" cap="flat" cmpd="sng" algn="ctr">
+                      <a:solidFill>
+                        <a:schemeClr val="tx1"/>
+                      </a:solidFill>
+                      <a:prstDash val="solid"/>
+                      <a:round/>
+                      <a:headEnd type="none" w="med" len="med"/>
+                      <a:tailEnd type="none" w="med" len="med"/>
+                    </a:lnL>
+                    <a:lnR w="12700" cap="flat" cmpd="sng" algn="ctr">
+                      <a:solidFill>
+                        <a:schemeClr val="tx1"/>
+                      </a:solidFill>
+                      <a:prstDash val="solid"/>
+                      <a:round/>
+                      <a:headEnd type="none" w="med" len="med"/>
+                      <a:tailEnd type="none" w="med" len="med"/>
+                    </a:lnR>
+                    <a:lnT w="12700" cap="flat" cmpd="sng" algn="ctr">
+                      <a:solidFill>
+                        <a:schemeClr val="tx1"/>
+                      </a:solidFill>
+                      <a:prstDash val="solid"/>
+                      <a:round/>
+                      <a:headEnd type="none" w="med" len="med"/>
+                      <a:tailEnd type="none" w="med" len="med"/>
+                    </a:lnT>
+                    <a:lnB w="12700" cap="flat" cmpd="sng" algn="ctr">
+                      <a:solidFill>
+                        <a:schemeClr val="tx1"/>
+                      </a:solidFill>
+                      <a:prstDash val="solid"/>
+                      <a:round/>
+                      <a:headEnd type="none" w="med" len="med"/>
+                      <a:tailEnd type="none" w="med" len="med"/>
+                    </a:lnB>
+                  </a:tcPr>
+                </a:tc>
+                <a:tc>
+                  <a:txBody>
+                    <a:bodyPr/>
+                    <a:lstStyle/>
+                    <a:p>
+                      <a:r>
+                        <a:rPr lang="en-US" sz="1200"/>
+                        <a:t>Simplifies iteration over collections; no need for manual index management.</a:t>
+                      </a:r>
+                    </a:p>
+                  </a:txBody>
+                  <a:tcPr marL="38656" marR="38656" marT="19328" marB="19328" anchor="ctr">
+                    <a:lnL w="12700" cap="flat" cmpd="sng" algn="ctr">
+                      <a:solidFill>
+                        <a:schemeClr val="tx1"/>
+                      </a:solidFill>
+                      <a:prstDash val="solid"/>
+                      <a:round/>
+                      <a:headEnd type="none" w="med" len="med"/>
+                      <a:tailEnd type="none" w="med" len="med"/>
+                    </a:lnL>
+                    <a:lnR w="12700" cap="flat" cmpd="sng" algn="ctr">
+                      <a:solidFill>
+                        <a:schemeClr val="tx1"/>
+                      </a:solidFill>
+                      <a:prstDash val="solid"/>
+                      <a:round/>
+                      <a:headEnd type="none" w="med" len="med"/>
+                      <a:tailEnd type="none" w="med" len="med"/>
+                    </a:lnR>
+                    <a:lnT w="12700" cap="flat" cmpd="sng" algn="ctr">
+                      <a:solidFill>
+                        <a:schemeClr val="tx1"/>
+                      </a:solidFill>
+                      <a:prstDash val="solid"/>
+                      <a:round/>
+                      <a:headEnd type="none" w="med" len="med"/>
+                      <a:tailEnd type="none" w="med" len="med"/>
+                    </a:lnT>
+                    <a:lnB w="12700" cap="flat" cmpd="sng" algn="ctr">
+                      <a:solidFill>
+                        <a:schemeClr val="tx1"/>
+                      </a:solidFill>
+                      <a:prstDash val="solid"/>
+                      <a:round/>
+                      <a:headEnd type="none" w="med" len="med"/>
+                      <a:tailEnd type="none" w="med" len="med"/>
+                    </a:lnB>
+                  </a:tcPr>
+                </a:tc>
+                <a:tc>
+                  <a:txBody>
+                    <a:bodyPr/>
+                    <a:lstStyle/>
+                    <a:p>
+                      <a:r>
+                        <a:rPr lang="en-GB" sz="1200"/>
+                        <a:t>`$items</a:t>
+                      </a:r>
+                    </a:p>
+                  </a:txBody>
+                  <a:tcPr marL="38656" marR="38656" marT="19328" marB="19328" anchor="ctr">
+                    <a:lnL w="12700" cap="flat" cmpd="sng" algn="ctr">
+                      <a:solidFill>
+                        <a:schemeClr val="tx1"/>
+                      </a:solidFill>
+                      <a:prstDash val="solid"/>
+                      <a:round/>
+                      <a:headEnd type="none" w="med" len="med"/>
+                      <a:tailEnd type="none" w="med" len="med"/>
+                    </a:lnL>
+                    <a:lnR w="12700" cap="flat" cmpd="sng" algn="ctr">
+                      <a:solidFill>
+                        <a:schemeClr val="tx1"/>
+                      </a:solidFill>
+                      <a:prstDash val="solid"/>
+                      <a:round/>
+                      <a:headEnd type="none" w="med" len="med"/>
+                      <a:tailEnd type="none" w="med" len="med"/>
+                    </a:lnR>
+                    <a:lnT w="12700" cap="flat" cmpd="sng" algn="ctr">
+                      <a:solidFill>
+                        <a:schemeClr val="tx1"/>
+                      </a:solidFill>
+                      <a:prstDash val="solid"/>
+                      <a:round/>
+                      <a:headEnd type="none" w="med" len="med"/>
+                      <a:tailEnd type="none" w="med" len="med"/>
+                    </a:lnT>
+                    <a:lnB w="12700" cap="flat" cmpd="sng" algn="ctr">
+                      <a:solidFill>
+                        <a:schemeClr val="tx1"/>
+                      </a:solidFill>
+                      <a:prstDash val="solid"/>
+                      <a:round/>
+                      <a:headEnd type="none" w="med" len="med"/>
+                      <a:tailEnd type="none" w="med" len="med"/>
+                    </a:lnB>
+                  </a:tcPr>
+                </a:tc>
+                <a:tc>
+                  <a:txBody>
+                    <a:bodyPr/>
+                    <a:lstStyle/>
+                    <a:p>
+                      <a:r>
+                        <a:rPr lang="en-GB" sz="1200"/>
+                        <a:t>ForEach-Object { Write-Host $_ }`</a:t>
+                      </a:r>
+                    </a:p>
+                  </a:txBody>
+                  <a:tcPr marL="38656" marR="38656" marT="19328" marB="19328" anchor="ctr">
+                    <a:lnL w="12700" cap="flat" cmpd="sng" algn="ctr">
+                      <a:solidFill>
+                        <a:schemeClr val="tx1"/>
+                      </a:solidFill>
+                      <a:prstDash val="solid"/>
+                      <a:round/>
+                      <a:headEnd type="none" w="med" len="med"/>
+                      <a:tailEnd type="none" w="med" len="med"/>
+                    </a:lnL>
+                    <a:lnR w="12700" cap="flat" cmpd="sng" algn="ctr">
+                      <a:solidFill>
+                        <a:schemeClr val="tx1"/>
+                      </a:solidFill>
+                      <a:prstDash val="solid"/>
+                      <a:round/>
+                      <a:headEnd type="none" w="med" len="med"/>
+                      <a:tailEnd type="none" w="med" len="med"/>
+                    </a:lnR>
+                    <a:lnT w="12700" cap="flat" cmpd="sng" algn="ctr">
+                      <a:solidFill>
+                        <a:schemeClr val="tx1"/>
+                      </a:solidFill>
+                      <a:prstDash val="solid"/>
+                      <a:round/>
+                      <a:headEnd type="none" w="med" len="med"/>
+                      <a:tailEnd type="none" w="med" len="med"/>
+                    </a:lnT>
+                    <a:lnB w="12700" cap="flat" cmpd="sng" algn="ctr">
+                      <a:solidFill>
+                        <a:schemeClr val="tx1"/>
+                      </a:solidFill>
+                      <a:prstDash val="solid"/>
+                      <a:round/>
+                      <a:headEnd type="none" w="med" len="med"/>
+                      <a:tailEnd type="none" w="med" len="med"/>
+                    </a:lnB>
+                  </a:tcPr>
+                </a:tc>
+              </a:tr>
+              <a:tr h="789004">
+                <a:tc>
+                  <a:txBody>
+                    <a:bodyPr/>
+                    <a:lstStyle/>
+                    <a:p>
+                      <a:r>
+                        <a:rPr lang="en-GB" sz="1200" b="1"/>
+                        <a:t>While</a:t>
+                      </a:r>
+                      <a:endParaRPr lang="en-GB" sz="1200"/>
+                    </a:p>
+                  </a:txBody>
+                  <a:tcPr marL="38656" marR="38656" marT="19328" marB="19328" anchor="ctr">
+                    <a:lnL w="12700" cap="flat" cmpd="sng" algn="ctr">
+                      <a:solidFill>
+                        <a:schemeClr val="tx1"/>
+                      </a:solidFill>
+                      <a:prstDash val="solid"/>
+                      <a:round/>
+                      <a:headEnd type="none" w="med" len="med"/>
+                      <a:tailEnd type="none" w="med" len="med"/>
+                    </a:lnL>
+                    <a:lnR w="12700" cap="flat" cmpd="sng" algn="ctr">
+                      <a:solidFill>
+                        <a:schemeClr val="tx1"/>
+                      </a:solidFill>
+                      <a:prstDash val="solid"/>
+                      <a:round/>
+                      <a:headEnd type="none" w="med" len="med"/>
+                      <a:tailEnd type="none" w="med" len="med"/>
+                    </a:lnR>
+                    <a:lnT w="12700" cap="flat" cmpd="sng" algn="ctr">
+                      <a:solidFill>
+                        <a:schemeClr val="tx1"/>
+                      </a:solidFill>
+                      <a:prstDash val="solid"/>
+                      <a:round/>
+                      <a:headEnd type="none" w="med" len="med"/>
+                      <a:tailEnd type="none" w="med" len="med"/>
+                    </a:lnT>
+                    <a:lnB w="12700" cap="flat" cmpd="sng" algn="ctr">
+                      <a:solidFill>
+                        <a:schemeClr val="tx1"/>
+                      </a:solidFill>
+                      <a:prstDash val="solid"/>
+                      <a:round/>
+                      <a:headEnd type="none" w="med" len="med"/>
+                      <a:tailEnd type="none" w="med" len="med"/>
+                    </a:lnB>
+                  </a:tcPr>
+                </a:tc>
+                <a:tc>
+                  <a:txBody>
+                    <a:bodyPr/>
+                    <a:lstStyle/>
+                    <a:p>
+                      <a:r>
+                        <a:rPr lang="en-GB" sz="1200"/>
+                        <a:t>Before iteration</a:t>
+                      </a:r>
+                    </a:p>
+                  </a:txBody>
+                  <a:tcPr marL="38656" marR="38656" marT="19328" marB="19328" anchor="ctr">
+                    <a:lnL w="12700" cap="flat" cmpd="sng" algn="ctr">
+                      <a:solidFill>
+                        <a:schemeClr val="tx1"/>
+                      </a:solidFill>
+                      <a:prstDash val="solid"/>
+                      <a:round/>
+                      <a:headEnd type="none" w="med" len="med"/>
+                      <a:tailEnd type="none" w="med" len="med"/>
+                    </a:lnL>
+                    <a:lnR w="12700" cap="flat" cmpd="sng" algn="ctr">
+                      <a:solidFill>
+                        <a:schemeClr val="tx1"/>
+                      </a:solidFill>
+                      <a:prstDash val="solid"/>
+                      <a:round/>
+                      <a:headEnd type="none" w="med" len="med"/>
+                      <a:tailEnd type="none" w="med" len="med"/>
+                    </a:lnR>
+                    <a:lnT w="12700" cap="flat" cmpd="sng" algn="ctr">
+                      <a:solidFill>
+                        <a:schemeClr val="tx1"/>
+                      </a:solidFill>
+                      <a:prstDash val="solid"/>
+                      <a:round/>
+                      <a:headEnd type="none" w="med" len="med"/>
+                      <a:tailEnd type="none" w="med" len="med"/>
+                    </a:lnT>
+                    <a:lnB w="12700" cap="flat" cmpd="sng" algn="ctr">
+                      <a:solidFill>
+                        <a:schemeClr val="tx1"/>
+                      </a:solidFill>
+                      <a:prstDash val="solid"/>
+                      <a:round/>
+                      <a:headEnd type="none" w="med" len="med"/>
+                      <a:tailEnd type="none" w="med" len="med"/>
+                    </a:lnB>
+                  </a:tcPr>
+                </a:tc>
+                <a:tc>
+                  <a:txBody>
+                    <a:bodyPr/>
+                    <a:lstStyle/>
+                    <a:p>
+                      <a:r>
+                        <a:rPr lang="en-US" sz="1200"/>
+                        <a:t>When you don't know how many iterations, but need to loop as long as a condition is true.</a:t>
+                      </a:r>
+                    </a:p>
+                  </a:txBody>
+                  <a:tcPr marL="38656" marR="38656" marT="19328" marB="19328" anchor="ctr">
+                    <a:lnL w="12700" cap="flat" cmpd="sng" algn="ctr">
+                      <a:solidFill>
+                        <a:schemeClr val="tx1"/>
+                      </a:solidFill>
+                      <a:prstDash val="solid"/>
+                      <a:round/>
+                      <a:headEnd type="none" w="med" len="med"/>
+                      <a:tailEnd type="none" w="med" len="med"/>
+                    </a:lnL>
+                    <a:lnR w="12700" cap="flat" cmpd="sng" algn="ctr">
+                      <a:solidFill>
+                        <a:schemeClr val="tx1"/>
+                      </a:solidFill>
+                      <a:prstDash val="solid"/>
+                      <a:round/>
+                      <a:headEnd type="none" w="med" len="med"/>
+                      <a:tailEnd type="none" w="med" len="med"/>
+                    </a:lnR>
+                    <a:lnT w="12700" cap="flat" cmpd="sng" algn="ctr">
+                      <a:solidFill>
+                        <a:schemeClr val="tx1"/>
+                      </a:solidFill>
+                      <a:prstDash val="solid"/>
+                      <a:round/>
+                      <a:headEnd type="none" w="med" len="med"/>
+                      <a:tailEnd type="none" w="med" len="med"/>
+                    </a:lnT>
+                    <a:lnB w="12700" cap="flat" cmpd="sng" algn="ctr">
+                      <a:solidFill>
+                        <a:schemeClr val="tx1"/>
+                      </a:solidFill>
+                      <a:prstDash val="solid"/>
+                      <a:round/>
+                      <a:headEnd type="none" w="med" len="med"/>
+                      <a:tailEnd type="none" w="med" len="med"/>
+                    </a:lnB>
+                  </a:tcPr>
+                </a:tc>
+                <a:tc>
+                  <a:txBody>
+                    <a:bodyPr/>
+                    <a:lstStyle/>
+                    <a:p>
+                      <a:r>
+                        <a:rPr lang="en-US" sz="1200"/>
+                        <a:t>The condition is checked before each iteration, so if false, the loop won't run.</a:t>
+                      </a:r>
+                    </a:p>
+                  </a:txBody>
+                  <a:tcPr marL="38656" marR="38656" marT="19328" marB="19328" anchor="ctr">
+                    <a:lnL w="12700" cap="flat" cmpd="sng" algn="ctr">
+                      <a:solidFill>
+                        <a:schemeClr val="tx1"/>
+                      </a:solidFill>
+                      <a:prstDash val="solid"/>
+                      <a:round/>
+                      <a:headEnd type="none" w="med" len="med"/>
+                      <a:tailEnd type="none" w="med" len="med"/>
+                    </a:lnL>
+                    <a:lnR w="12700" cap="flat" cmpd="sng" algn="ctr">
+                      <a:solidFill>
+                        <a:schemeClr val="tx1"/>
+                      </a:solidFill>
+                      <a:prstDash val="solid"/>
+                      <a:round/>
+                      <a:headEnd type="none" w="med" len="med"/>
+                      <a:tailEnd type="none" w="med" len="med"/>
+                    </a:lnR>
+                    <a:lnT w="12700" cap="flat" cmpd="sng" algn="ctr">
+                      <a:solidFill>
+                        <a:schemeClr val="tx1"/>
+                      </a:solidFill>
+                      <a:prstDash val="solid"/>
+                      <a:round/>
+                      <a:headEnd type="none" w="med" len="med"/>
+                      <a:tailEnd type="none" w="med" len="med"/>
+                    </a:lnT>
+                    <a:lnB w="12700" cap="flat" cmpd="sng" algn="ctr">
+                      <a:solidFill>
+                        <a:schemeClr val="tx1"/>
+                      </a:solidFill>
+                      <a:prstDash val="solid"/>
+                      <a:round/>
+                      <a:headEnd type="none" w="med" len="med"/>
+                      <a:tailEnd type="none" w="med" len="med"/>
+                    </a:lnB>
+                  </a:tcPr>
+                </a:tc>
+                <a:tc>
+                  <a:txBody>
+                    <a:bodyPr/>
+                    <a:lstStyle/>
+                    <a:p>
+                      <a:r>
+                        <a:rPr lang="en-GB" sz="1200"/>
+                        <a:t>while ($i -lt 5) { Write-Host $i; $i++ }</a:t>
+                      </a:r>
+                    </a:p>
+                  </a:txBody>
+                  <a:tcPr marL="38656" marR="38656" marT="19328" marB="19328" anchor="ctr">
+                    <a:lnL w="12700" cap="flat" cmpd="sng" algn="ctr">
+                      <a:solidFill>
+                        <a:schemeClr val="tx1"/>
+                      </a:solidFill>
+                      <a:prstDash val="solid"/>
+                      <a:round/>
+                      <a:headEnd type="none" w="med" len="med"/>
+                      <a:tailEnd type="none" w="med" len="med"/>
+                    </a:lnL>
+                    <a:lnR w="12700" cap="flat" cmpd="sng" algn="ctr">
+                      <a:solidFill>
+                        <a:schemeClr val="tx1"/>
+                      </a:solidFill>
+                      <a:prstDash val="solid"/>
+                      <a:round/>
+                      <a:headEnd type="none" w="med" len="med"/>
+                      <a:tailEnd type="none" w="med" len="med"/>
+                    </a:lnR>
+                    <a:lnT w="12700" cap="flat" cmpd="sng" algn="ctr">
+                      <a:solidFill>
+                        <a:schemeClr val="tx1"/>
+                      </a:solidFill>
+                      <a:prstDash val="solid"/>
+                      <a:round/>
+                      <a:headEnd type="none" w="med" len="med"/>
+                      <a:tailEnd type="none" w="med" len="med"/>
+                    </a:lnT>
+                    <a:lnB w="12700" cap="flat" cmpd="sng" algn="ctr">
+                      <a:solidFill>
+                        <a:schemeClr val="tx1"/>
+                      </a:solidFill>
+                      <a:prstDash val="solid"/>
+                      <a:round/>
+                      <a:headEnd type="none" w="med" len="med"/>
+                      <a:tailEnd type="none" w="med" len="med"/>
+                    </a:lnB>
+                  </a:tcPr>
+                </a:tc>
+                <a:tc>
+                  <a:txBody>
+                    <a:bodyPr/>
+                    <a:lstStyle/>
+                    <a:p>
+                      <a:r>
+                        <a:rPr lang="en-US" sz="1200"/>
+                        <a:t>When the number of iterations is unknown but depends on a condition being met.</a:t>
+                      </a:r>
+                    </a:p>
+                  </a:txBody>
+                  <a:tcPr marL="38656" marR="38656" marT="19328" marB="19328" anchor="ctr">
+                    <a:lnL w="12700" cap="flat" cmpd="sng" algn="ctr">
+                      <a:solidFill>
+                        <a:schemeClr val="tx1"/>
+                      </a:solidFill>
+                      <a:prstDash val="solid"/>
+                      <a:round/>
+                      <a:headEnd type="none" w="med" len="med"/>
+                      <a:tailEnd type="none" w="med" len="med"/>
+                    </a:lnL>
+                    <a:lnR w="12700" cap="flat" cmpd="sng" algn="ctr">
+                      <a:solidFill>
+                        <a:schemeClr val="tx1"/>
+                      </a:solidFill>
+                      <a:prstDash val="solid"/>
+                      <a:round/>
+                      <a:headEnd type="none" w="med" len="med"/>
+                      <a:tailEnd type="none" w="med" len="med"/>
+                    </a:lnR>
+                    <a:lnT w="12700" cap="flat" cmpd="sng" algn="ctr">
+                      <a:solidFill>
+                        <a:schemeClr val="tx1"/>
+                      </a:solidFill>
+                      <a:prstDash val="solid"/>
+                      <a:round/>
+                      <a:headEnd type="none" w="med" len="med"/>
+                      <a:tailEnd type="none" w="med" len="med"/>
+                    </a:lnT>
+                    <a:lnB w="12700" cap="flat" cmpd="sng" algn="ctr">
+                      <a:solidFill>
+                        <a:schemeClr val="tx1"/>
+                      </a:solidFill>
+                      <a:prstDash val="solid"/>
+                      <a:round/>
+                      <a:headEnd type="none" w="med" len="med"/>
+                      <a:tailEnd type="none" w="med" len="med"/>
+                    </a:lnB>
+                  </a:tcPr>
+                </a:tc>
+              </a:tr>
+              <a:tr h="883870">
+                <a:tc>
+                  <a:txBody>
+                    <a:bodyPr/>
+                    <a:lstStyle/>
+                    <a:p>
+                      <a:r>
+                        <a:rPr lang="en-GB" sz="1200" b="1"/>
+                        <a:t>Do-While</a:t>
+                      </a:r>
+                      <a:endParaRPr lang="en-GB" sz="1200"/>
+                    </a:p>
+                  </a:txBody>
+                  <a:tcPr marL="38656" marR="38656" marT="19328" marB="19328" anchor="ctr">
+                    <a:lnL w="12700" cap="flat" cmpd="sng" algn="ctr">
+                      <a:solidFill>
+                        <a:schemeClr val="tx1"/>
+                      </a:solidFill>
+                      <a:prstDash val="solid"/>
+                      <a:round/>
+                      <a:headEnd type="none" w="med" len="med"/>
+                      <a:tailEnd type="none" w="med" len="med"/>
+                    </a:lnL>
+                    <a:lnR w="12700" cap="flat" cmpd="sng" algn="ctr">
+                      <a:solidFill>
+                        <a:schemeClr val="tx1"/>
+                      </a:solidFill>
+                      <a:prstDash val="solid"/>
+                      <a:round/>
+                      <a:headEnd type="none" w="med" len="med"/>
+                      <a:tailEnd type="none" w="med" len="med"/>
+                    </a:lnR>
+                    <a:lnT w="12700" cap="flat" cmpd="sng" algn="ctr">
+                      <a:solidFill>
+                        <a:schemeClr val="tx1"/>
+                      </a:solidFill>
+                      <a:prstDash val="solid"/>
+                      <a:round/>
+                      <a:headEnd type="none" w="med" len="med"/>
+                      <a:tailEnd type="none" w="med" len="med"/>
+                    </a:lnT>
+                    <a:lnB w="12700" cap="flat" cmpd="sng" algn="ctr">
+                      <a:solidFill>
+                        <a:schemeClr val="tx1"/>
+                      </a:solidFill>
+                      <a:prstDash val="solid"/>
+                      <a:round/>
+                      <a:headEnd type="none" w="med" len="med"/>
+                      <a:tailEnd type="none" w="med" len="med"/>
+                    </a:lnB>
+                  </a:tcPr>
+                </a:tc>
+                <a:tc>
+                  <a:txBody>
+                    <a:bodyPr/>
+                    <a:lstStyle/>
+                    <a:p>
+                      <a:r>
+                        <a:rPr lang="en-GB" sz="1200"/>
+                        <a:t>After iteration</a:t>
+                      </a:r>
+                    </a:p>
+                  </a:txBody>
+                  <a:tcPr marL="38656" marR="38656" marT="19328" marB="19328" anchor="ctr">
+                    <a:lnL w="12700" cap="flat" cmpd="sng" algn="ctr">
+                      <a:solidFill>
+                        <a:schemeClr val="tx1"/>
+                      </a:solidFill>
+                      <a:prstDash val="solid"/>
+                      <a:round/>
+                      <a:headEnd type="none" w="med" len="med"/>
+                      <a:tailEnd type="none" w="med" len="med"/>
+                    </a:lnL>
+                    <a:lnR w="12700" cap="flat" cmpd="sng" algn="ctr">
+                      <a:solidFill>
+                        <a:schemeClr val="tx1"/>
+                      </a:solidFill>
+                      <a:prstDash val="solid"/>
+                      <a:round/>
+                      <a:headEnd type="none" w="med" len="med"/>
+                      <a:tailEnd type="none" w="med" len="med"/>
+                    </a:lnR>
+                    <a:lnT w="12700" cap="flat" cmpd="sng" algn="ctr">
+                      <a:solidFill>
+                        <a:schemeClr val="tx1"/>
+                      </a:solidFill>
+                      <a:prstDash val="solid"/>
+                      <a:round/>
+                      <a:headEnd type="none" w="med" len="med"/>
+                      <a:tailEnd type="none" w="med" len="med"/>
+                    </a:lnT>
+                    <a:lnB w="12700" cap="flat" cmpd="sng" algn="ctr">
+                      <a:solidFill>
+                        <a:schemeClr val="tx1"/>
+                      </a:solidFill>
+                      <a:prstDash val="solid"/>
+                      <a:round/>
+                      <a:headEnd type="none" w="med" len="med"/>
+                      <a:tailEnd type="none" w="med" len="med"/>
+                    </a:lnB>
+                  </a:tcPr>
+                </a:tc>
+                <a:tc>
+                  <a:txBody>
+                    <a:bodyPr/>
+                    <a:lstStyle/>
+                    <a:p>
+                      <a:r>
+                        <a:rPr lang="en-US" sz="1200"/>
+                        <a:t>When you need to execute code at least once and continue until a condition is true.</a:t>
+                      </a:r>
+                    </a:p>
+                  </a:txBody>
+                  <a:tcPr marL="38656" marR="38656" marT="19328" marB="19328" anchor="ctr">
+                    <a:lnL w="12700" cap="flat" cmpd="sng" algn="ctr">
+                      <a:solidFill>
+                        <a:schemeClr val="tx1"/>
+                      </a:solidFill>
+                      <a:prstDash val="solid"/>
+                      <a:round/>
+                      <a:headEnd type="none" w="med" len="med"/>
+                      <a:tailEnd type="none" w="med" len="med"/>
+                    </a:lnL>
+                    <a:lnR w="12700" cap="flat" cmpd="sng" algn="ctr">
+                      <a:solidFill>
+                        <a:schemeClr val="tx1"/>
+                      </a:solidFill>
+                      <a:prstDash val="solid"/>
+                      <a:round/>
+                      <a:headEnd type="none" w="med" len="med"/>
+                      <a:tailEnd type="none" w="med" len="med"/>
+                    </a:lnR>
+                    <a:lnT w="12700" cap="flat" cmpd="sng" algn="ctr">
+                      <a:solidFill>
+                        <a:schemeClr val="tx1"/>
+                      </a:solidFill>
+                      <a:prstDash val="solid"/>
+                      <a:round/>
+                      <a:headEnd type="none" w="med" len="med"/>
+                      <a:tailEnd type="none" w="med" len="med"/>
+                    </a:lnT>
+                    <a:lnB w="12700" cap="flat" cmpd="sng" algn="ctr">
+                      <a:solidFill>
+                        <a:schemeClr val="tx1"/>
+                      </a:solidFill>
+                      <a:prstDash val="solid"/>
+                      <a:round/>
+                      <a:headEnd type="none" w="med" len="med"/>
+                      <a:tailEnd type="none" w="med" len="med"/>
+                    </a:lnB>
+                  </a:tcPr>
+                </a:tc>
+                <a:tc>
+                  <a:txBody>
+                    <a:bodyPr/>
+                    <a:lstStyle/>
+                    <a:p>
+                      <a:r>
+                        <a:rPr lang="en-US" sz="1200"/>
+                        <a:t>Guarantees at least one execution of the loop, as the condition is checked after the loop body.</a:t>
+                      </a:r>
+                    </a:p>
+                  </a:txBody>
+                  <a:tcPr marL="38656" marR="38656" marT="19328" marB="19328" anchor="ctr">
+                    <a:lnL w="12700" cap="flat" cmpd="sng" algn="ctr">
+                      <a:solidFill>
+                        <a:schemeClr val="tx1"/>
+                      </a:solidFill>
+                      <a:prstDash val="solid"/>
+                      <a:round/>
+                      <a:headEnd type="none" w="med" len="med"/>
+                      <a:tailEnd type="none" w="med" len="med"/>
+                    </a:lnL>
+                    <a:lnR w="12700" cap="flat" cmpd="sng" algn="ctr">
+                      <a:solidFill>
+                        <a:schemeClr val="tx1"/>
+                      </a:solidFill>
+                      <a:prstDash val="solid"/>
+                      <a:round/>
+                      <a:headEnd type="none" w="med" len="med"/>
+                      <a:tailEnd type="none" w="med" len="med"/>
+                    </a:lnR>
+                    <a:lnT w="12700" cap="flat" cmpd="sng" algn="ctr">
+                      <a:solidFill>
+                        <a:schemeClr val="tx1"/>
+                      </a:solidFill>
+                      <a:prstDash val="solid"/>
+                      <a:round/>
+                      <a:headEnd type="none" w="med" len="med"/>
+                      <a:tailEnd type="none" w="med" len="med"/>
+                    </a:lnT>
+                    <a:lnB w="12700" cap="flat" cmpd="sng" algn="ctr">
+                      <a:solidFill>
+                        <a:schemeClr val="tx1"/>
+                      </a:solidFill>
+                      <a:prstDash val="solid"/>
+                      <a:round/>
+                      <a:headEnd type="none" w="med" len="med"/>
+                      <a:tailEnd type="none" w="med" len="med"/>
+                    </a:lnB>
+                  </a:tcPr>
+                </a:tc>
+                <a:tc>
+                  <a:txBody>
+                    <a:bodyPr/>
+                    <a:lstStyle/>
+                    <a:p>
+                      <a:r>
+                        <a:rPr lang="en-US" sz="1200"/>
+                        <a:t>do { Write-Host $i; $i++ } while ($i -lt 5)</a:t>
+                      </a:r>
+                    </a:p>
+                  </a:txBody>
+                  <a:tcPr marL="38656" marR="38656" marT="19328" marB="19328" anchor="ctr">
+                    <a:lnL w="12700" cap="flat" cmpd="sng" algn="ctr">
+                      <a:solidFill>
+                        <a:schemeClr val="tx1"/>
+                      </a:solidFill>
+                      <a:prstDash val="solid"/>
+                      <a:round/>
+                      <a:headEnd type="none" w="med" len="med"/>
+                      <a:tailEnd type="none" w="med" len="med"/>
+                    </a:lnL>
+                    <a:lnR w="12700" cap="flat" cmpd="sng" algn="ctr">
+                      <a:solidFill>
+                        <a:schemeClr val="tx1"/>
+                      </a:solidFill>
+                      <a:prstDash val="solid"/>
+                      <a:round/>
+                      <a:headEnd type="none" w="med" len="med"/>
+                      <a:tailEnd type="none" w="med" len="med"/>
+                    </a:lnR>
+                    <a:lnT w="12700" cap="flat" cmpd="sng" algn="ctr">
+                      <a:solidFill>
+                        <a:schemeClr val="tx1"/>
+                      </a:solidFill>
+                      <a:prstDash val="solid"/>
+                      <a:round/>
+                      <a:headEnd type="none" w="med" len="med"/>
+                      <a:tailEnd type="none" w="med" len="med"/>
+                    </a:lnT>
+                    <a:lnB w="12700" cap="flat" cmpd="sng" algn="ctr">
+                      <a:solidFill>
+                        <a:schemeClr val="tx1"/>
+                      </a:solidFill>
+                      <a:prstDash val="solid"/>
+                      <a:round/>
+                      <a:headEnd type="none" w="med" len="med"/>
+                      <a:tailEnd type="none" w="med" len="med"/>
+                    </a:lnB>
+                  </a:tcPr>
+                </a:tc>
+                <a:tc>
+                  <a:txBody>
+                    <a:bodyPr/>
+                    <a:lstStyle/>
+                    <a:p>
+                      <a:r>
+                        <a:rPr lang="en-US" sz="1200"/>
+                        <a:t>When you need to ensure at least one iteration, and then loop until a condition is true.</a:t>
+                      </a:r>
+                    </a:p>
+                  </a:txBody>
+                  <a:tcPr marL="38656" marR="38656" marT="19328" marB="19328" anchor="ctr">
+                    <a:lnL w="12700" cap="flat" cmpd="sng" algn="ctr">
+                      <a:solidFill>
+                        <a:schemeClr val="tx1"/>
+                      </a:solidFill>
+                      <a:prstDash val="solid"/>
+                      <a:round/>
+                      <a:headEnd type="none" w="med" len="med"/>
+                      <a:tailEnd type="none" w="med" len="med"/>
+                    </a:lnL>
+                    <a:lnR w="12700" cap="flat" cmpd="sng" algn="ctr">
+                      <a:solidFill>
+                        <a:schemeClr val="tx1"/>
+                      </a:solidFill>
+                      <a:prstDash val="solid"/>
+                      <a:round/>
+                      <a:headEnd type="none" w="med" len="med"/>
+                      <a:tailEnd type="none" w="med" len="med"/>
+                    </a:lnR>
+                    <a:lnT w="12700" cap="flat" cmpd="sng" algn="ctr">
+                      <a:solidFill>
+                        <a:schemeClr val="tx1"/>
+                      </a:solidFill>
+                      <a:prstDash val="solid"/>
+                      <a:round/>
+                      <a:headEnd type="none" w="med" len="med"/>
+                      <a:tailEnd type="none" w="med" len="med"/>
+                    </a:lnT>
+                    <a:lnB w="12700" cap="flat" cmpd="sng" algn="ctr">
+                      <a:solidFill>
+                        <a:schemeClr val="tx1"/>
+                      </a:solidFill>
+                      <a:prstDash val="solid"/>
+                      <a:round/>
+                      <a:headEnd type="none" w="med" len="med"/>
+                      <a:tailEnd type="none" w="med" len="med"/>
+                    </a:lnB>
+                  </a:tcPr>
+                </a:tc>
+              </a:tr>
+              <a:tr h="978736">
+                <a:tc>
+                  <a:txBody>
+                    <a:bodyPr/>
+                    <a:lstStyle/>
+                    <a:p>
+                      <a:r>
+                        <a:rPr lang="en-GB" sz="1200" b="1"/>
+                        <a:t>Do-Until</a:t>
+                      </a:r>
+                      <a:endParaRPr lang="en-GB" sz="1200"/>
+                    </a:p>
+                  </a:txBody>
+                  <a:tcPr marL="38656" marR="38656" marT="19328" marB="19328" anchor="ctr">
+                    <a:lnL w="12700" cap="flat" cmpd="sng" algn="ctr">
+                      <a:solidFill>
+                        <a:schemeClr val="tx1"/>
+                      </a:solidFill>
+                      <a:prstDash val="solid"/>
+                      <a:round/>
+                      <a:headEnd type="none" w="med" len="med"/>
+                      <a:tailEnd type="none" w="med" len="med"/>
+                    </a:lnL>
+                    <a:lnR w="12700" cap="flat" cmpd="sng" algn="ctr">
+                      <a:solidFill>
+                        <a:schemeClr val="tx1"/>
+                      </a:solidFill>
+                      <a:prstDash val="solid"/>
+                      <a:round/>
+                      <a:headEnd type="none" w="med" len="med"/>
+                      <a:tailEnd type="none" w="med" len="med"/>
+                    </a:lnR>
+                    <a:lnT w="12700" cap="flat" cmpd="sng" algn="ctr">
+                      <a:solidFill>
+                        <a:schemeClr val="tx1"/>
+                      </a:solidFill>
+                      <a:prstDash val="solid"/>
+                      <a:round/>
+                      <a:headEnd type="none" w="med" len="med"/>
+                      <a:tailEnd type="none" w="med" len="med"/>
+                    </a:lnT>
+                    <a:lnB w="12700" cap="flat" cmpd="sng" algn="ctr">
+                      <a:solidFill>
+                        <a:schemeClr val="tx1"/>
+                      </a:solidFill>
+                      <a:prstDash val="solid"/>
+                      <a:round/>
+                      <a:headEnd type="none" w="med" len="med"/>
+                      <a:tailEnd type="none" w="med" len="med"/>
+                    </a:lnB>
+                  </a:tcPr>
+                </a:tc>
+                <a:tc>
+                  <a:txBody>
+                    <a:bodyPr/>
+                    <a:lstStyle/>
+                    <a:p>
+                      <a:r>
+                        <a:rPr lang="en-GB" sz="1200"/>
+                        <a:t>After iteration</a:t>
+                      </a:r>
+                    </a:p>
+                  </a:txBody>
+                  <a:tcPr marL="38656" marR="38656" marT="19328" marB="19328" anchor="ctr">
+                    <a:lnL w="12700" cap="flat" cmpd="sng" algn="ctr">
+                      <a:solidFill>
+                        <a:schemeClr val="tx1"/>
+                      </a:solidFill>
+                      <a:prstDash val="solid"/>
+                      <a:round/>
+                      <a:headEnd type="none" w="med" len="med"/>
+                      <a:tailEnd type="none" w="med" len="med"/>
+                    </a:lnL>
+                    <a:lnR w="12700" cap="flat" cmpd="sng" algn="ctr">
+                      <a:solidFill>
+                        <a:schemeClr val="tx1"/>
+                      </a:solidFill>
+                      <a:prstDash val="solid"/>
+                      <a:round/>
+                      <a:headEnd type="none" w="med" len="med"/>
+                      <a:tailEnd type="none" w="med" len="med"/>
+                    </a:lnR>
+                    <a:lnT w="12700" cap="flat" cmpd="sng" algn="ctr">
+                      <a:solidFill>
+                        <a:schemeClr val="tx1"/>
+                      </a:solidFill>
+                      <a:prstDash val="solid"/>
+                      <a:round/>
+                      <a:headEnd type="none" w="med" len="med"/>
+                      <a:tailEnd type="none" w="med" len="med"/>
+                    </a:lnT>
+                    <a:lnB w="12700" cap="flat" cmpd="sng" algn="ctr">
+                      <a:solidFill>
+                        <a:schemeClr val="tx1"/>
+                      </a:solidFill>
+                      <a:prstDash val="solid"/>
+                      <a:round/>
+                      <a:headEnd type="none" w="med" len="med"/>
+                      <a:tailEnd type="none" w="med" len="med"/>
+                    </a:lnB>
+                  </a:tcPr>
+                </a:tc>
+                <a:tc>
+                  <a:txBody>
+                    <a:bodyPr/>
+                    <a:lstStyle/>
+                    <a:p>
+                      <a:r>
+                        <a:rPr lang="en-US" sz="1200"/>
+                        <a:t>When you need to execute code at least once and continue until a condition becomes true (opposite of Do-While).</a:t>
+                      </a:r>
+                    </a:p>
+                  </a:txBody>
+                  <a:tcPr marL="38656" marR="38656" marT="19328" marB="19328" anchor="ctr">
+                    <a:lnL w="12700" cap="flat" cmpd="sng" algn="ctr">
+                      <a:solidFill>
+                        <a:schemeClr val="tx1"/>
+                      </a:solidFill>
+                      <a:prstDash val="solid"/>
+                      <a:round/>
+                      <a:headEnd type="none" w="med" len="med"/>
+                      <a:tailEnd type="none" w="med" len="med"/>
+                    </a:lnL>
+                    <a:lnR w="12700" cap="flat" cmpd="sng" algn="ctr">
+                      <a:solidFill>
+                        <a:schemeClr val="tx1"/>
+                      </a:solidFill>
+                      <a:prstDash val="solid"/>
+                      <a:round/>
+                      <a:headEnd type="none" w="med" len="med"/>
+                      <a:tailEnd type="none" w="med" len="med"/>
+                    </a:lnR>
+                    <a:lnT w="12700" cap="flat" cmpd="sng" algn="ctr">
+                      <a:solidFill>
+                        <a:schemeClr val="tx1"/>
+                      </a:solidFill>
+                      <a:prstDash val="solid"/>
+                      <a:round/>
+                      <a:headEnd type="none" w="med" len="med"/>
+                      <a:tailEnd type="none" w="med" len="med"/>
+                    </a:lnT>
+                    <a:lnB w="12700" cap="flat" cmpd="sng" algn="ctr">
+                      <a:solidFill>
+                        <a:schemeClr val="tx1"/>
+                      </a:solidFill>
+                      <a:prstDash val="solid"/>
+                      <a:round/>
+                      <a:headEnd type="none" w="med" len="med"/>
+                      <a:tailEnd type="none" w="med" len="med"/>
+                    </a:lnB>
+                  </a:tcPr>
+                </a:tc>
+                <a:tc>
+                  <a:txBody>
+                    <a:bodyPr/>
+                    <a:lstStyle/>
+                    <a:p>
+                      <a:r>
+                        <a:rPr lang="en-US" sz="1200"/>
+                        <a:t>Executes at least once, and continues until the condition becomes true.</a:t>
+                      </a:r>
+                    </a:p>
+                  </a:txBody>
+                  <a:tcPr marL="38656" marR="38656" marT="19328" marB="19328" anchor="ctr">
+                    <a:lnL w="12700" cap="flat" cmpd="sng" algn="ctr">
+                      <a:solidFill>
+                        <a:schemeClr val="tx1"/>
+                      </a:solidFill>
+                      <a:prstDash val="solid"/>
+                      <a:round/>
+                      <a:headEnd type="none" w="med" len="med"/>
+                      <a:tailEnd type="none" w="med" len="med"/>
+                    </a:lnL>
+                    <a:lnR w="12700" cap="flat" cmpd="sng" algn="ctr">
+                      <a:solidFill>
+                        <a:schemeClr val="tx1"/>
+                      </a:solidFill>
+                      <a:prstDash val="solid"/>
+                      <a:round/>
+                      <a:headEnd type="none" w="med" len="med"/>
+                      <a:tailEnd type="none" w="med" len="med"/>
+                    </a:lnR>
+                    <a:lnT w="12700" cap="flat" cmpd="sng" algn="ctr">
+                      <a:solidFill>
+                        <a:schemeClr val="tx1"/>
+                      </a:solidFill>
+                      <a:prstDash val="solid"/>
+                      <a:round/>
+                      <a:headEnd type="none" w="med" len="med"/>
+                      <a:tailEnd type="none" w="med" len="med"/>
+                    </a:lnT>
+                    <a:lnB w="12700" cap="flat" cmpd="sng" algn="ctr">
+                      <a:solidFill>
+                        <a:schemeClr val="tx1"/>
+                      </a:solidFill>
+                      <a:prstDash val="solid"/>
+                      <a:round/>
+                      <a:headEnd type="none" w="med" len="med"/>
+                      <a:tailEnd type="none" w="med" len="med"/>
+                    </a:lnB>
+                  </a:tcPr>
+                </a:tc>
+                <a:tc>
+                  <a:txBody>
+                    <a:bodyPr/>
+                    <a:lstStyle/>
+                    <a:p>
+                      <a:r>
+                        <a:rPr lang="sv-SE" sz="1200"/>
+                        <a:t>do { Write-Host $i; $i++ } until ($i -ge 5)</a:t>
+                      </a:r>
+                    </a:p>
+                  </a:txBody>
+                  <a:tcPr marL="38656" marR="38656" marT="19328" marB="19328" anchor="ctr">
+                    <a:lnL w="12700" cap="flat" cmpd="sng" algn="ctr">
+                      <a:solidFill>
+                        <a:schemeClr val="tx1"/>
+                      </a:solidFill>
+                      <a:prstDash val="solid"/>
+                      <a:round/>
+                      <a:headEnd type="none" w="med" len="med"/>
+                      <a:tailEnd type="none" w="med" len="med"/>
+                    </a:lnL>
+                    <a:lnR w="12700" cap="flat" cmpd="sng" algn="ctr">
+                      <a:solidFill>
+                        <a:schemeClr val="tx1"/>
+                      </a:solidFill>
+                      <a:prstDash val="solid"/>
+                      <a:round/>
+                      <a:headEnd type="none" w="med" len="med"/>
+                      <a:tailEnd type="none" w="med" len="med"/>
+                    </a:lnR>
+                    <a:lnT w="12700" cap="flat" cmpd="sng" algn="ctr">
+                      <a:solidFill>
+                        <a:schemeClr val="tx1"/>
+                      </a:solidFill>
+                      <a:prstDash val="solid"/>
+                      <a:round/>
+                      <a:headEnd type="none" w="med" len="med"/>
+                      <a:tailEnd type="none" w="med" len="med"/>
+                    </a:lnT>
+                    <a:lnB w="12700" cap="flat" cmpd="sng" algn="ctr">
+                      <a:solidFill>
+                        <a:schemeClr val="tx1"/>
+                      </a:solidFill>
+                      <a:prstDash val="solid"/>
+                      <a:round/>
+                      <a:headEnd type="none" w="med" len="med"/>
+                      <a:tailEnd type="none" w="med" len="med"/>
+                    </a:lnB>
+                  </a:tcPr>
+                </a:tc>
+                <a:tc>
+                  <a:txBody>
+                    <a:bodyPr/>
+                    <a:lstStyle/>
+                    <a:p>
+                      <a:r>
+                        <a:rPr lang="en-US" sz="1200" dirty="0"/>
+                        <a:t>When you need to ensure at least one iteration, and then continue looping until a condition becomes true.</a:t>
+                      </a:r>
+                    </a:p>
+                  </a:txBody>
+                  <a:tcPr marL="38656" marR="38656" marT="19328" marB="19328" anchor="ctr">
+                    <a:lnL w="12700" cap="flat" cmpd="sng" algn="ctr">
+                      <a:solidFill>
+                        <a:schemeClr val="tx1"/>
+                      </a:solidFill>
+                      <a:prstDash val="solid"/>
+                      <a:round/>
+                      <a:headEnd type="none" w="med" len="med"/>
+                      <a:tailEnd type="none" w="med" len="med"/>
+                    </a:lnL>
+                    <a:lnR w="12700" cap="flat" cmpd="sng" algn="ctr">
+                      <a:solidFill>
+                        <a:schemeClr val="tx1"/>
+                      </a:solidFill>
+                      <a:prstDash val="solid"/>
+                      <a:round/>
+                      <a:headEnd type="none" w="med" len="med"/>
+                      <a:tailEnd type="none" w="med" len="med"/>
+                    </a:lnR>
+                    <a:lnT w="12700" cap="flat" cmpd="sng" algn="ctr">
+                      <a:solidFill>
+                        <a:schemeClr val="tx1"/>
+                      </a:solidFill>
+                      <a:prstDash val="solid"/>
+                      <a:round/>
+                      <a:headEnd type="none" w="med" len="med"/>
+                      <a:tailEnd type="none" w="med" len="med"/>
+                    </a:lnT>
+                    <a:lnB w="12700" cap="flat" cmpd="sng" algn="ctr">
+                      <a:solidFill>
+                        <a:schemeClr val="tx1"/>
+                      </a:solidFill>
+                      <a:prstDash val="solid"/>
+                      <a:round/>
+                      <a:headEnd type="none" w="med" len="med"/>
+                      <a:tailEnd type="none" w="med" len="med"/>
+                    </a:lnB>
+                  </a:tcPr>
+                </a:tc>
+              </a:tr>
+            </a:tbl>
+          </a:graphicData>
+        </a:graphic>
+      </p:graphicFrame>
+      <p:cxnSp>
+        <p:nvCxnSpPr>
+          <p:cNvPr id="4" name="Straight Connector 3"/>
+          <p:cNvCxnSpPr/>
+          <p:nvPr/>
+        </p:nvCxnSpPr>
+        <p:spPr>
+          <a:xfrm>
+            <a:off x="838200" y="1566266"/>
+            <a:ext cx="10422924" cy="1"/>
+          </a:xfrm>
+          <a:prstGeom prst="line">
+            <a:avLst/>
+          </a:prstGeom>
+          <a:ln w="38100"/>
+        </p:spPr>
+        <p:style>
+          <a:lnRef idx="1">
+            <a:schemeClr val="accent1"/>
+          </a:lnRef>
+          <a:fillRef idx="0">
+            <a:schemeClr val="accent1"/>
+          </a:fillRef>
+          <a:effectRef idx="0">
+            <a:schemeClr val="accent1"/>
+          </a:effectRef>
+          <a:fontRef idx="minor">
+            <a:schemeClr val="tx1"/>
+          </a:fontRef>
+        </p:style>
+      </p:cxnSp>
+    </p:spTree>
+    <p:extLst>
+      <p:ext uri="{BB962C8B-B14F-4D97-AF65-F5344CB8AC3E}">
+        <p14:creationId xmlns:p14="http://schemas.microsoft.com/office/powerpoint/2010/main" val="3795124842"/>
+      </p:ext>
+    </p:extLst>
+  </p:cSld>
+  <p:clrMapOvr>
+    <a:masterClrMapping/>
+  </p:clrMapOvr>
+  <mc:AlternateContent xmlns:mc="http://schemas.openxmlformats.org/markup-compatibility/2006" xmlns:p14="http://schemas.microsoft.com/office/powerpoint/2010/main">
+    <mc:Choice Requires="p14">
+      <p:transition p14:dur="0"/>
+    </mc:Choice>
+    <mc:Fallback xmlns="">
+      <p:transition/>
+    </mc:Fallback>
+  </mc:AlternateContent>
+  <p:timing>
+    <p:tnLst>
+      <p:par>
+        <p:cTn id="1" dur="indefinite" restart="never" nodeType="tmRoot"/>
+      </p:par>
+    </p:tnLst>
+  </p:timing>
+</p:sld>
+</file>
+
+<file path=ppt/slides/slide9.xml><?xml version="1.0" encoding="utf-8"?>
+<p:sld xmlns:a="http://schemas.openxmlformats.org/drawingml/2006/main" xmlns:r="http://schemas.openxmlformats.org/officeDocument/2006/relationships" xmlns:p="http://schemas.openxmlformats.org/presentationml/2006/main">
+  <p:cSld>
+    <p:spTree>
+      <p:nvGrpSpPr>
+        <p:cNvPr id="1" name=""/>
+        <p:cNvGrpSpPr/>
+        <p:nvPr/>
+      </p:nvGrpSpPr>
+      <p:grpSpPr>
+        <a:xfrm>
+          <a:off x="0" y="0"/>
+          <a:ext cx="0" cy="0"/>
+          <a:chOff x="0" y="0"/>
+          <a:chExt cx="0" cy="0"/>
+        </a:xfrm>
+      </p:grpSpPr>
+      <p:sp>
+        <p:nvSpPr>
+          <p:cNvPr id="2" name="Title 1"/>
+          <p:cNvSpPr>
+            <a:spLocks noGrp="1"/>
+          </p:cNvSpPr>
+          <p:nvPr>
+            <p:ph type="title"/>
+          </p:nvPr>
+        </p:nvSpPr>
+        <p:spPr>
+          <a:xfrm>
+            <a:off x="838200" y="365126"/>
+            <a:ext cx="10515600" cy="1096122"/>
+          </a:xfrm>
+        </p:spPr>
+        <p:txBody>
+          <a:bodyPr>
+            <a:normAutofit/>
+          </a:bodyPr>
+          <a:lstStyle/>
+          <a:p>
+            <a:r>
               <a:rPr lang="en-GB" dirty="0"/>
               <a:t>Using Break and Continue</a:t>
             </a:r>
@@ -7156,113 +9230,6 @@
       <p:transition/>
     </mc:Fallback>
   </mc:AlternateContent>
-  <p:timing>
-    <p:tnLst>
-      <p:par>
-        <p:cTn id="1" dur="indefinite" restart="never" nodeType="tmRoot"/>
-      </p:par>
-    </p:tnLst>
-  </p:timing>
-</p:sld>
-</file>
-
-<file path=ppt/slides/slide9.xml><?xml version="1.0" encoding="utf-8"?>
-<p:sld xmlns:a="http://schemas.openxmlformats.org/drawingml/2006/main" xmlns:r="http://schemas.openxmlformats.org/officeDocument/2006/relationships" xmlns:p="http://schemas.openxmlformats.org/presentationml/2006/main">
-  <p:cSld>
-    <p:spTree>
-      <p:nvGrpSpPr>
-        <p:cNvPr id="1" name=""/>
-        <p:cNvGrpSpPr/>
-        <p:nvPr/>
-      </p:nvGrpSpPr>
-      <p:grpSpPr>
-        <a:xfrm>
-          <a:off x="0" y="0"/>
-          <a:ext cx="0" cy="0"/>
-          <a:chOff x="0" y="0"/>
-          <a:chExt cx="0" cy="0"/>
-        </a:xfrm>
-      </p:grpSpPr>
-      <p:sp>
-        <p:nvSpPr>
-          <p:cNvPr id="4" name="Content Placeholder 3"/>
-          <p:cNvSpPr>
-            <a:spLocks noGrp="1"/>
-          </p:cNvSpPr>
-          <p:nvPr>
-            <p:ph sz="half" idx="2"/>
-          </p:nvPr>
-        </p:nvSpPr>
-        <p:spPr>
-          <a:xfrm>
-            <a:off x="0" y="0"/>
-            <a:ext cx="3525795" cy="6858000"/>
-          </a:xfrm>
-          <a:ln/>
-        </p:spPr>
-        <p:style>
-          <a:lnRef idx="0">
-            <a:schemeClr val="accent5"/>
-          </a:lnRef>
-          <a:fillRef idx="3">
-            <a:schemeClr val="accent5"/>
-          </a:fillRef>
-          <a:effectRef idx="3">
-            <a:schemeClr val="accent5"/>
-          </a:effectRef>
-          <a:fontRef idx="minor">
-            <a:schemeClr val="lt1"/>
-          </a:fontRef>
-        </p:style>
-        <p:txBody>
-          <a:bodyPr anchor="ctr"/>
-          <a:lstStyle/>
-          <a:p>
-            <a:pPr marL="0" indent="0" algn="ctr">
-              <a:buNone/>
-            </a:pPr>
-            <a:r>
-              <a:rPr lang="en-IN" dirty="0" smtClean="0"/>
-              <a:t>Demo</a:t>
-            </a:r>
-            <a:endParaRPr lang="en-GB" dirty="0"/>
-          </a:p>
-        </p:txBody>
-      </p:sp>
-      <p:sp>
-        <p:nvSpPr>
-          <p:cNvPr id="6" name="Content Placeholder 5"/>
-          <p:cNvSpPr>
-            <a:spLocks noGrp="1"/>
-          </p:cNvSpPr>
-          <p:nvPr>
-            <p:ph sz="quarter" idx="4"/>
-          </p:nvPr>
-        </p:nvSpPr>
-        <p:spPr>
-          <a:xfrm>
-            <a:off x="3591697" y="0"/>
-            <a:ext cx="8666205" cy="6858000"/>
-          </a:xfrm>
-        </p:spPr>
-        <p:txBody>
-          <a:bodyPr anchor="ctr"/>
-          <a:lstStyle/>
-          <a:p>
-            <a:endParaRPr lang="en-GB" sz="3200" dirty="0" smtClean="0"/>
-          </a:p>
-        </p:txBody>
-      </p:sp>
-    </p:spTree>
-    <p:extLst>
-      <p:ext uri="{BB962C8B-B14F-4D97-AF65-F5344CB8AC3E}">
-        <p14:creationId xmlns:p14="http://schemas.microsoft.com/office/powerpoint/2010/main" val="1673766853"/>
-      </p:ext>
-    </p:extLst>
-  </p:cSld>
-  <p:clrMapOvr>
-    <a:masterClrMapping/>
-  </p:clrMapOvr>
   <p:timing>
     <p:tnLst>
       <p:par>
